--- a/GamepadTraining.pptx
+++ b/GamepadTraining.pptx
@@ -195,7 +195,7 @@
           <a:p>
             <a:fld id="{94718E82-1CFB-4163-A2D6-07BA16A5F6AC}" type="datetimeFigureOut">
               <a:rPr lang="en-US" smtClean="0"/>
-              <a:t>10/29/2015</a:t>
+              <a:t>10/30/15</a:t>
             </a:fld>
             <a:endParaRPr lang="en-US"/>
           </a:p>
@@ -644,7 +644,7 @@
           <a:p>
             <a:fld id="{00CF07E8-8F9E-4389-812A-7F17362C15DE}" type="datetimeFigureOut">
               <a:rPr lang="en-US" smtClean="0"/>
-              <a:t>10/29/2015</a:t>
+              <a:t>10/30/15</a:t>
             </a:fld>
             <a:endParaRPr lang="en-US"/>
           </a:p>
@@ -705,7 +705,7 @@
   <p:timing>
     <p:tnLst>
       <p:par>
-        <p:cTn id="1" dur="indefinite" restart="never" nodeType="tmRoot"/>
+        <p:cTn xmlns:p14="http://schemas.microsoft.com/office/powerpoint/2010/main" id="1" dur="indefinite" restart="never" nodeType="tmRoot"/>
       </p:par>
     </p:tnLst>
   </p:timing>
@@ -821,7 +821,7 @@
           <a:p>
             <a:fld id="{00CF07E8-8F9E-4389-812A-7F17362C15DE}" type="datetimeFigureOut">
               <a:rPr lang="en-US" smtClean="0"/>
-              <a:t>10/29/2015</a:t>
+              <a:t>10/30/15</a:t>
             </a:fld>
             <a:endParaRPr lang="en-US"/>
           </a:p>
@@ -1001,7 +1001,7 @@
           <a:p>
             <a:fld id="{00CF07E8-8F9E-4389-812A-7F17362C15DE}" type="datetimeFigureOut">
               <a:rPr lang="en-US" smtClean="0"/>
-              <a:t>10/29/2015</a:t>
+              <a:t>10/30/15</a:t>
             </a:fld>
             <a:endParaRPr lang="en-US"/>
           </a:p>
@@ -1171,7 +1171,7 @@
           <a:p>
             <a:fld id="{00CF07E8-8F9E-4389-812A-7F17362C15DE}" type="datetimeFigureOut">
               <a:rPr lang="en-US" smtClean="0"/>
-              <a:t>10/29/2015</a:t>
+              <a:t>10/30/15</a:t>
             </a:fld>
             <a:endParaRPr lang="en-US"/>
           </a:p>
@@ -1417,7 +1417,7 @@
           <a:p>
             <a:fld id="{00CF07E8-8F9E-4389-812A-7F17362C15DE}" type="datetimeFigureOut">
               <a:rPr lang="en-US" smtClean="0"/>
-              <a:t>10/29/2015</a:t>
+              <a:t>10/30/15</a:t>
             </a:fld>
             <a:endParaRPr lang="en-US"/>
           </a:p>
@@ -1705,7 +1705,7 @@
           <a:p>
             <a:fld id="{00CF07E8-8F9E-4389-812A-7F17362C15DE}" type="datetimeFigureOut">
               <a:rPr lang="en-US" smtClean="0"/>
-              <a:t>10/29/2015</a:t>
+              <a:t>10/30/15</a:t>
             </a:fld>
             <a:endParaRPr lang="en-US"/>
           </a:p>
@@ -2127,7 +2127,7 @@
           <a:p>
             <a:fld id="{00CF07E8-8F9E-4389-812A-7F17362C15DE}" type="datetimeFigureOut">
               <a:rPr lang="en-US" smtClean="0"/>
-              <a:t>10/29/2015</a:t>
+              <a:t>10/30/15</a:t>
             </a:fld>
             <a:endParaRPr lang="en-US"/>
           </a:p>
@@ -2245,7 +2245,7 @@
           <a:p>
             <a:fld id="{00CF07E8-8F9E-4389-812A-7F17362C15DE}" type="datetimeFigureOut">
               <a:rPr lang="en-US" smtClean="0"/>
-              <a:t>10/29/2015</a:t>
+              <a:t>10/30/15</a:t>
             </a:fld>
             <a:endParaRPr lang="en-US"/>
           </a:p>
@@ -2340,7 +2340,7 @@
           <a:p>
             <a:fld id="{00CF07E8-8F9E-4389-812A-7F17362C15DE}" type="datetimeFigureOut">
               <a:rPr lang="en-US" smtClean="0"/>
-              <a:t>10/29/2015</a:t>
+              <a:t>10/30/15</a:t>
             </a:fld>
             <a:endParaRPr lang="en-US"/>
           </a:p>
@@ -2617,7 +2617,7 @@
           <a:p>
             <a:fld id="{00CF07E8-8F9E-4389-812A-7F17362C15DE}" type="datetimeFigureOut">
               <a:rPr lang="en-US" smtClean="0"/>
-              <a:t>10/29/2015</a:t>
+              <a:t>10/30/15</a:t>
             </a:fld>
             <a:endParaRPr lang="en-US"/>
           </a:p>
@@ -2870,7 +2870,7 @@
           <a:p>
             <a:fld id="{00CF07E8-8F9E-4389-812A-7F17362C15DE}" type="datetimeFigureOut">
               <a:rPr lang="en-US" smtClean="0"/>
-              <a:t>10/29/2015</a:t>
+              <a:t>10/30/15</a:t>
             </a:fld>
             <a:endParaRPr lang="en-US"/>
           </a:p>
@@ -3089,7 +3089,7 @@
           <a:p>
             <a:fld id="{00CF07E8-8F9E-4389-812A-7F17362C15DE}" type="datetimeFigureOut">
               <a:rPr lang="en-US" smtClean="0"/>
-              <a:t>10/29/2015</a:t>
+              <a:t>10/30/15</a:t>
             </a:fld>
             <a:endParaRPr lang="en-US"/>
           </a:p>
@@ -3495,7 +3495,7 @@
           </a:prstGeom>
           <a:noFill/>
           <a:extLst>
-            <a:ext uri="{909E8E84-426E-40DD-AFC4-6F175D3DCCD1}">
+            <a:ext uri="{909E8E84-426E-40dd-AFC4-6F175D3DCCD1}">
               <a14:hiddenFill xmlns:a14="http://schemas.microsoft.com/office/drawing/2010/main">
                 <a:solidFill>
                   <a:srgbClr val="FFFFFF"/>
@@ -3547,7 +3547,7 @@
             <a:softEdge rad="31750"/>
           </a:effectLst>
           <a:extLst>
-            <a:ext uri="{909E8E84-426E-40DD-AFC4-6F175D3DCCD1}">
+            <a:ext uri="{909E8E84-426E-40dd-AFC4-6F175D3DCCD1}">
               <a14:hiddenFill xmlns:a14="http://schemas.microsoft.com/office/drawing/2010/main">
                 <a:solidFill>
                   <a:srgbClr val="FFFFFF"/>
@@ -3599,7 +3599,7 @@
             <a:softEdge rad="31750"/>
           </a:effectLst>
           <a:extLst>
-            <a:ext uri="{909E8E84-426E-40DD-AFC4-6F175D3DCCD1}">
+            <a:ext uri="{909E8E84-426E-40dd-AFC4-6F175D3DCCD1}">
               <a14:hiddenFill xmlns:a14="http://schemas.microsoft.com/office/drawing/2010/main">
                 <a:solidFill>
                   <a:srgbClr val="FFFFFF"/>
@@ -3651,7 +3651,7 @@
             <a:softEdge rad="31750"/>
           </a:effectLst>
           <a:extLst>
-            <a:ext uri="{909E8E84-426E-40DD-AFC4-6F175D3DCCD1}">
+            <a:ext uri="{909E8E84-426E-40dd-AFC4-6F175D3DCCD1}">
               <a14:hiddenFill xmlns:a14="http://schemas.microsoft.com/office/drawing/2010/main">
                 <a:solidFill>
                   <a:srgbClr val="FFFFFF"/>
@@ -3703,7 +3703,7 @@
             <a:softEdge rad="31750"/>
           </a:effectLst>
           <a:extLst>
-            <a:ext uri="{909E8E84-426E-40DD-AFC4-6F175D3DCCD1}">
+            <a:ext uri="{909E8E84-426E-40dd-AFC4-6F175D3DCCD1}">
               <a14:hiddenFill xmlns:a14="http://schemas.microsoft.com/office/drawing/2010/main">
                 <a:solidFill>
                   <a:srgbClr val="FFFFFF"/>
@@ -3869,7 +3869,27 @@
                 <a:latin typeface="Arial" panose="020B0604020202020204" pitchFamily="34" charset="0"/>
                 <a:cs typeface="Arial" panose="020B0604020202020204" pitchFamily="34" charset="0"/>
               </a:rPr>
-              <a:t>Double Click To Reset Position</a:t>
+              <a:t>Double </a:t>
+            </a:r>
+            <a:r>
+              <a:rPr lang="en-US" b="1" dirty="0" smtClean="0">
+                <a:solidFill>
+                  <a:schemeClr val="bg1"/>
+                </a:solidFill>
+                <a:latin typeface="Arial" panose="020B0604020202020204" pitchFamily="34" charset="0"/>
+                <a:cs typeface="Arial" panose="020B0604020202020204" pitchFamily="34" charset="0"/>
+              </a:rPr>
+              <a:t>Press To </a:t>
+            </a:r>
+            <a:r>
+              <a:rPr lang="en-US" b="1" dirty="0" smtClean="0">
+                <a:solidFill>
+                  <a:schemeClr val="bg1"/>
+                </a:solidFill>
+                <a:latin typeface="Arial" panose="020B0604020202020204" pitchFamily="34" charset="0"/>
+                <a:cs typeface="Arial" panose="020B0604020202020204" pitchFamily="34" charset="0"/>
+              </a:rPr>
+              <a:t>Reset Position</a:t>
             </a:r>
             <a:endParaRPr lang="en-US" b="1" dirty="0">
               <a:solidFill>
@@ -3936,7 +3956,7 @@
   <p:timing>
     <p:tnLst>
       <p:par>
-        <p:cTn id="1" dur="indefinite" restart="never" nodeType="tmRoot"/>
+        <p:cTn xmlns:p14="http://schemas.microsoft.com/office/powerpoint/2010/main" id="1" dur="indefinite" restart="never" nodeType="tmRoot"/>
       </p:par>
     </p:tnLst>
   </p:timing>
@@ -3991,7 +4011,7 @@
           </a:prstGeom>
           <a:noFill/>
           <a:extLst>
-            <a:ext uri="{909E8E84-426E-40DD-AFC4-6F175D3DCCD1}">
+            <a:ext uri="{909E8E84-426E-40dd-AFC4-6F175D3DCCD1}">
               <a14:hiddenFill xmlns:a14="http://schemas.microsoft.com/office/drawing/2010/main">
                 <a:solidFill>
                   <a:srgbClr val="FFFFFF"/>
@@ -4085,7 +4105,7 @@
             <a:softEdge rad="31750"/>
           </a:effectLst>
           <a:extLst>
-            <a:ext uri="{909E8E84-426E-40DD-AFC4-6F175D3DCCD1}">
+            <a:ext uri="{909E8E84-426E-40dd-AFC4-6F175D3DCCD1}">
               <a14:hiddenFill xmlns:a14="http://schemas.microsoft.com/office/drawing/2010/main">
                 <a:solidFill>
                   <a:srgbClr val="FFFFFF"/>
@@ -4463,7 +4483,7 @@
   <p:timing>
     <p:tnLst>
       <p:par>
-        <p:cTn id="1" dur="indefinite" restart="never" nodeType="tmRoot"/>
+        <p:cTn xmlns:p14="http://schemas.microsoft.com/office/powerpoint/2010/main" id="1" dur="indefinite" restart="never" nodeType="tmRoot"/>
       </p:par>
     </p:tnLst>
   </p:timing>
@@ -4562,7 +4582,7 @@
           </a:prstGeom>
           <a:noFill/>
           <a:extLst>
-            <a:ext uri="{909E8E84-426E-40DD-AFC4-6F175D3DCCD1}">
+            <a:ext uri="{909E8E84-426E-40dd-AFC4-6F175D3DCCD1}">
               <a14:hiddenFill xmlns:a14="http://schemas.microsoft.com/office/drawing/2010/main">
                 <a:solidFill>
                   <a:srgbClr val="FFFFFF"/>
@@ -4875,7 +4895,7 @@
             <a:softEdge rad="31750"/>
           </a:effectLst>
           <a:extLst>
-            <a:ext uri="{909E8E84-426E-40DD-AFC4-6F175D3DCCD1}">
+            <a:ext uri="{909E8E84-426E-40dd-AFC4-6F175D3DCCD1}">
               <a14:hiddenFill xmlns:a14="http://schemas.microsoft.com/office/drawing/2010/main">
                 <a:solidFill>
                   <a:srgbClr val="FFFFFF"/>
@@ -4945,7 +4965,7 @@
   <p:timing>
     <p:tnLst>
       <p:par>
-        <p:cTn id="1" dur="indefinite" restart="never" nodeType="tmRoot"/>
+        <p:cTn xmlns:p14="http://schemas.microsoft.com/office/powerpoint/2010/main" id="1" dur="indefinite" restart="never" nodeType="tmRoot"/>
       </p:par>
     </p:tnLst>
   </p:timing>
@@ -5000,7 +5020,7 @@
           </a:prstGeom>
           <a:noFill/>
           <a:extLst>
-            <a:ext uri="{909E8E84-426E-40DD-AFC4-6F175D3DCCD1}">
+            <a:ext uri="{909E8E84-426E-40dd-AFC4-6F175D3DCCD1}">
               <a14:hiddenFill xmlns:a14="http://schemas.microsoft.com/office/drawing/2010/main">
                 <a:solidFill>
                   <a:srgbClr val="FFFFFF"/>
@@ -5214,7 +5234,27 @@
                 <a:latin typeface="Arial" panose="020B0604020202020204" pitchFamily="34" charset="0"/>
                 <a:cs typeface="Arial" panose="020B0604020202020204" pitchFamily="34" charset="0"/>
               </a:rPr>
-              <a:t>Use left joystick to tilt your “surfing board”</a:t>
+              <a:t>Use left joystick to tilt </a:t>
+            </a:r>
+            <a:r>
+              <a:rPr lang="en-US" b="1" smtClean="0">
+                <a:solidFill>
+                  <a:schemeClr val="bg1"/>
+                </a:solidFill>
+                <a:latin typeface="Arial" panose="020B0604020202020204" pitchFamily="34" charset="0"/>
+                <a:cs typeface="Arial" panose="020B0604020202020204" pitchFamily="34" charset="0"/>
+              </a:rPr>
+              <a:t>your </a:t>
+            </a:r>
+            <a:r>
+              <a:rPr lang="en-US" b="1" smtClean="0">
+                <a:solidFill>
+                  <a:schemeClr val="bg1"/>
+                </a:solidFill>
+                <a:latin typeface="Arial" panose="020B0604020202020204" pitchFamily="34" charset="0"/>
+                <a:cs typeface="Arial" panose="020B0604020202020204" pitchFamily="34" charset="0"/>
+              </a:rPr>
+              <a:t>surf board</a:t>
             </a:r>
             <a:endParaRPr lang="en-US" b="1" dirty="0">
               <a:solidFill>
@@ -5402,7 +5442,7 @@
             <a:softEdge rad="31750"/>
           </a:effectLst>
           <a:extLst>
-            <a:ext uri="{909E8E84-426E-40DD-AFC4-6F175D3DCCD1}">
+            <a:ext uri="{909E8E84-426E-40dd-AFC4-6F175D3DCCD1}">
               <a14:hiddenFill xmlns:a14="http://schemas.microsoft.com/office/drawing/2010/main">
                 <a:solidFill>
                   <a:srgbClr val="FFFFFF"/>
@@ -5469,7 +5509,7 @@
   <p:timing>
     <p:tnLst>
       <p:par>
-        <p:cTn id="1" dur="indefinite" restart="never" nodeType="tmRoot"/>
+        <p:cTn xmlns:p14="http://schemas.microsoft.com/office/powerpoint/2010/main" id="1" dur="indefinite" restart="never" nodeType="tmRoot"/>
       </p:par>
     </p:tnLst>
   </p:timing>

--- a/GamepadTraining.pptx
+++ b/GamepadTraining.pptx
@@ -5,13 +5,16 @@
     <p:sldMasterId id="2147483648" r:id="rId1"/>
   </p:sldMasterIdLst>
   <p:notesMasterIdLst>
-    <p:notesMasterId r:id="rId6"/>
+    <p:notesMasterId r:id="rId9"/>
   </p:notesMasterIdLst>
   <p:sldIdLst>
     <p:sldId id="256" r:id="rId2"/>
     <p:sldId id="257" r:id="rId3"/>
     <p:sldId id="258" r:id="rId4"/>
     <p:sldId id="259" r:id="rId5"/>
+    <p:sldId id="260" r:id="rId6"/>
+    <p:sldId id="261" r:id="rId7"/>
+    <p:sldId id="262" r:id="rId8"/>
   </p:sldIdLst>
   <p:sldSz cx="9144000" cy="6858000" type="screen4x3"/>
   <p:notesSz cx="6858000" cy="9144000"/>
@@ -195,7 +198,7 @@
           <a:p>
             <a:fld id="{94718E82-1CFB-4163-A2D6-07BA16A5F6AC}" type="datetimeFigureOut">
               <a:rPr lang="en-US" smtClean="0"/>
-              <a:t>10/30/15</a:t>
+              <a:t>11/4/2015</a:t>
             </a:fld>
             <a:endParaRPr lang="en-US"/>
           </a:p>
@@ -644,7 +647,7 @@
           <a:p>
             <a:fld id="{00CF07E8-8F9E-4389-812A-7F17362C15DE}" type="datetimeFigureOut">
               <a:rPr lang="en-US" smtClean="0"/>
-              <a:t>10/30/15</a:t>
+              <a:t>11/4/2015</a:t>
             </a:fld>
             <a:endParaRPr lang="en-US"/>
           </a:p>
@@ -705,7 +708,7 @@
   <p:timing>
     <p:tnLst>
       <p:par>
-        <p:cTn xmlns:p14="http://schemas.microsoft.com/office/powerpoint/2010/main" id="1" dur="indefinite" restart="never" nodeType="tmRoot"/>
+        <p:cTn id="1" dur="indefinite" restart="never" nodeType="tmRoot"/>
       </p:par>
     </p:tnLst>
   </p:timing>
@@ -821,7 +824,7 @@
           <a:p>
             <a:fld id="{00CF07E8-8F9E-4389-812A-7F17362C15DE}" type="datetimeFigureOut">
               <a:rPr lang="en-US" smtClean="0"/>
-              <a:t>10/30/15</a:t>
+              <a:t>11/4/2015</a:t>
             </a:fld>
             <a:endParaRPr lang="en-US"/>
           </a:p>
@@ -1001,7 +1004,7 @@
           <a:p>
             <a:fld id="{00CF07E8-8F9E-4389-812A-7F17362C15DE}" type="datetimeFigureOut">
               <a:rPr lang="en-US" smtClean="0"/>
-              <a:t>10/30/15</a:t>
+              <a:t>11/4/2015</a:t>
             </a:fld>
             <a:endParaRPr lang="en-US"/>
           </a:p>
@@ -1171,7 +1174,7 @@
           <a:p>
             <a:fld id="{00CF07E8-8F9E-4389-812A-7F17362C15DE}" type="datetimeFigureOut">
               <a:rPr lang="en-US" smtClean="0"/>
-              <a:t>10/30/15</a:t>
+              <a:t>11/4/2015</a:t>
             </a:fld>
             <a:endParaRPr lang="en-US"/>
           </a:p>
@@ -1417,7 +1420,7 @@
           <a:p>
             <a:fld id="{00CF07E8-8F9E-4389-812A-7F17362C15DE}" type="datetimeFigureOut">
               <a:rPr lang="en-US" smtClean="0"/>
-              <a:t>10/30/15</a:t>
+              <a:t>11/4/2015</a:t>
             </a:fld>
             <a:endParaRPr lang="en-US"/>
           </a:p>
@@ -1705,7 +1708,7 @@
           <a:p>
             <a:fld id="{00CF07E8-8F9E-4389-812A-7F17362C15DE}" type="datetimeFigureOut">
               <a:rPr lang="en-US" smtClean="0"/>
-              <a:t>10/30/15</a:t>
+              <a:t>11/4/2015</a:t>
             </a:fld>
             <a:endParaRPr lang="en-US"/>
           </a:p>
@@ -2127,7 +2130,7 @@
           <a:p>
             <a:fld id="{00CF07E8-8F9E-4389-812A-7F17362C15DE}" type="datetimeFigureOut">
               <a:rPr lang="en-US" smtClean="0"/>
-              <a:t>10/30/15</a:t>
+              <a:t>11/4/2015</a:t>
             </a:fld>
             <a:endParaRPr lang="en-US"/>
           </a:p>
@@ -2245,7 +2248,7 @@
           <a:p>
             <a:fld id="{00CF07E8-8F9E-4389-812A-7F17362C15DE}" type="datetimeFigureOut">
               <a:rPr lang="en-US" smtClean="0"/>
-              <a:t>10/30/15</a:t>
+              <a:t>11/4/2015</a:t>
             </a:fld>
             <a:endParaRPr lang="en-US"/>
           </a:p>
@@ -2340,7 +2343,7 @@
           <a:p>
             <a:fld id="{00CF07E8-8F9E-4389-812A-7F17362C15DE}" type="datetimeFigureOut">
               <a:rPr lang="en-US" smtClean="0"/>
-              <a:t>10/30/15</a:t>
+              <a:t>11/4/2015</a:t>
             </a:fld>
             <a:endParaRPr lang="en-US"/>
           </a:p>
@@ -2617,7 +2620,7 @@
           <a:p>
             <a:fld id="{00CF07E8-8F9E-4389-812A-7F17362C15DE}" type="datetimeFigureOut">
               <a:rPr lang="en-US" smtClean="0"/>
-              <a:t>10/30/15</a:t>
+              <a:t>11/4/2015</a:t>
             </a:fld>
             <a:endParaRPr lang="en-US"/>
           </a:p>
@@ -2870,7 +2873,7 @@
           <a:p>
             <a:fld id="{00CF07E8-8F9E-4389-812A-7F17362C15DE}" type="datetimeFigureOut">
               <a:rPr lang="en-US" smtClean="0"/>
-              <a:t>10/30/15</a:t>
+              <a:t>11/4/2015</a:t>
             </a:fld>
             <a:endParaRPr lang="en-US"/>
           </a:p>
@@ -3089,7 +3092,7 @@
           <a:p>
             <a:fld id="{00CF07E8-8F9E-4389-812A-7F17362C15DE}" type="datetimeFigureOut">
               <a:rPr lang="en-US" smtClean="0"/>
-              <a:t>10/30/15</a:t>
+              <a:t>11/4/2015</a:t>
             </a:fld>
             <a:endParaRPr lang="en-US"/>
           </a:p>
@@ -3495,7 +3498,7 @@
           </a:prstGeom>
           <a:noFill/>
           <a:extLst>
-            <a:ext uri="{909E8E84-426E-40dd-AFC4-6F175D3DCCD1}">
+            <a:ext uri="{909E8E84-426E-40DD-AFC4-6F175D3DCCD1}">
               <a14:hiddenFill xmlns:a14="http://schemas.microsoft.com/office/drawing/2010/main">
                 <a:solidFill>
                   <a:srgbClr val="FFFFFF"/>
@@ -3547,7 +3550,7 @@
             <a:softEdge rad="31750"/>
           </a:effectLst>
           <a:extLst>
-            <a:ext uri="{909E8E84-426E-40dd-AFC4-6F175D3DCCD1}">
+            <a:ext uri="{909E8E84-426E-40DD-AFC4-6F175D3DCCD1}">
               <a14:hiddenFill xmlns:a14="http://schemas.microsoft.com/office/drawing/2010/main">
                 <a:solidFill>
                   <a:srgbClr val="FFFFFF"/>
@@ -3599,7 +3602,7 @@
             <a:softEdge rad="31750"/>
           </a:effectLst>
           <a:extLst>
-            <a:ext uri="{909E8E84-426E-40dd-AFC4-6F175D3DCCD1}">
+            <a:ext uri="{909E8E84-426E-40DD-AFC4-6F175D3DCCD1}">
               <a14:hiddenFill xmlns:a14="http://schemas.microsoft.com/office/drawing/2010/main">
                 <a:solidFill>
                   <a:srgbClr val="FFFFFF"/>
@@ -3651,7 +3654,7 @@
             <a:softEdge rad="31750"/>
           </a:effectLst>
           <a:extLst>
-            <a:ext uri="{909E8E84-426E-40dd-AFC4-6F175D3DCCD1}">
+            <a:ext uri="{909E8E84-426E-40DD-AFC4-6F175D3DCCD1}">
               <a14:hiddenFill xmlns:a14="http://schemas.microsoft.com/office/drawing/2010/main">
                 <a:solidFill>
                   <a:srgbClr val="FFFFFF"/>
@@ -3703,7 +3706,7 @@
             <a:softEdge rad="31750"/>
           </a:effectLst>
           <a:extLst>
-            <a:ext uri="{909E8E84-426E-40dd-AFC4-6F175D3DCCD1}">
+            <a:ext uri="{909E8E84-426E-40DD-AFC4-6F175D3DCCD1}">
               <a14:hiddenFill xmlns:a14="http://schemas.microsoft.com/office/drawing/2010/main">
                 <a:solidFill>
                   <a:srgbClr val="FFFFFF"/>
@@ -3869,27 +3872,7 @@
                 <a:latin typeface="Arial" panose="020B0604020202020204" pitchFamily="34" charset="0"/>
                 <a:cs typeface="Arial" panose="020B0604020202020204" pitchFamily="34" charset="0"/>
               </a:rPr>
-              <a:t>Double </a:t>
-            </a:r>
-            <a:r>
-              <a:rPr lang="en-US" b="1" dirty="0" smtClean="0">
-                <a:solidFill>
-                  <a:schemeClr val="bg1"/>
-                </a:solidFill>
-                <a:latin typeface="Arial" panose="020B0604020202020204" pitchFamily="34" charset="0"/>
-                <a:cs typeface="Arial" panose="020B0604020202020204" pitchFamily="34" charset="0"/>
-              </a:rPr>
-              <a:t>Press To </a:t>
-            </a:r>
-            <a:r>
-              <a:rPr lang="en-US" b="1" dirty="0" smtClean="0">
-                <a:solidFill>
-                  <a:schemeClr val="bg1"/>
-                </a:solidFill>
-                <a:latin typeface="Arial" panose="020B0604020202020204" pitchFamily="34" charset="0"/>
-                <a:cs typeface="Arial" panose="020B0604020202020204" pitchFamily="34" charset="0"/>
-              </a:rPr>
-              <a:t>Reset Position</a:t>
+              <a:t>Double Press To Reset Position</a:t>
             </a:r>
             <a:endParaRPr lang="en-US" b="1" dirty="0">
               <a:solidFill>
@@ -3956,7 +3939,7 @@
   <p:timing>
     <p:tnLst>
       <p:par>
-        <p:cTn xmlns:p14="http://schemas.microsoft.com/office/powerpoint/2010/main" id="1" dur="indefinite" restart="never" nodeType="tmRoot"/>
+        <p:cTn id="1" dur="indefinite" restart="never" nodeType="tmRoot"/>
       </p:par>
     </p:tnLst>
   </p:timing>
@@ -4011,7 +3994,7 @@
           </a:prstGeom>
           <a:noFill/>
           <a:extLst>
-            <a:ext uri="{909E8E84-426E-40dd-AFC4-6F175D3DCCD1}">
+            <a:ext uri="{909E8E84-426E-40DD-AFC4-6F175D3DCCD1}">
               <a14:hiddenFill xmlns:a14="http://schemas.microsoft.com/office/drawing/2010/main">
                 <a:solidFill>
                   <a:srgbClr val="FFFFFF"/>
@@ -4105,7 +4088,7 @@
             <a:softEdge rad="31750"/>
           </a:effectLst>
           <a:extLst>
-            <a:ext uri="{909E8E84-426E-40dd-AFC4-6F175D3DCCD1}">
+            <a:ext uri="{909E8E84-426E-40DD-AFC4-6F175D3DCCD1}">
               <a14:hiddenFill xmlns:a14="http://schemas.microsoft.com/office/drawing/2010/main">
                 <a:solidFill>
                   <a:srgbClr val="FFFFFF"/>
@@ -4483,7 +4466,7 @@
   <p:timing>
     <p:tnLst>
       <p:par>
-        <p:cTn xmlns:p14="http://schemas.microsoft.com/office/powerpoint/2010/main" id="1" dur="indefinite" restart="never" nodeType="tmRoot"/>
+        <p:cTn id="1" dur="indefinite" restart="never" nodeType="tmRoot"/>
       </p:par>
     </p:tnLst>
   </p:timing>
@@ -4582,7 +4565,7 @@
           </a:prstGeom>
           <a:noFill/>
           <a:extLst>
-            <a:ext uri="{909E8E84-426E-40dd-AFC4-6F175D3DCCD1}">
+            <a:ext uri="{909E8E84-426E-40DD-AFC4-6F175D3DCCD1}">
               <a14:hiddenFill xmlns:a14="http://schemas.microsoft.com/office/drawing/2010/main">
                 <a:solidFill>
                   <a:srgbClr val="FFFFFF"/>
@@ -4752,7 +4735,37 @@
                 <a:latin typeface="Arial" panose="020B0604020202020204" pitchFamily="34" charset="0"/>
                 <a:cs typeface="Arial" panose="020B0604020202020204" pitchFamily="34" charset="0"/>
               </a:rPr>
-              <a:t>Use vertical axis of left joystick move forward and back</a:t>
+              <a:t>Use vertical axis of left </a:t>
+            </a:r>
+            <a:r>
+              <a:rPr lang="en-US" b="1" dirty="0" smtClean="0">
+                <a:solidFill>
+                  <a:schemeClr val="bg1"/>
+                </a:solidFill>
+                <a:latin typeface="Arial" panose="020B0604020202020204" pitchFamily="34" charset="0"/>
+                <a:cs typeface="Arial" panose="020B0604020202020204" pitchFamily="34" charset="0"/>
+              </a:rPr>
+              <a:t>joystick to </a:t>
+            </a:r>
+            <a:r>
+              <a:rPr lang="en-US" b="1" dirty="0" smtClean="0">
+                <a:solidFill>
+                  <a:schemeClr val="bg1"/>
+                </a:solidFill>
+                <a:latin typeface="Arial" panose="020B0604020202020204" pitchFamily="34" charset="0"/>
+                <a:cs typeface="Arial" panose="020B0604020202020204" pitchFamily="34" charset="0"/>
+              </a:rPr>
+              <a:t>move forward and </a:t>
+            </a:r>
+            <a:r>
+              <a:rPr lang="en-US" b="1" dirty="0" smtClean="0">
+                <a:solidFill>
+                  <a:schemeClr val="bg1"/>
+                </a:solidFill>
+                <a:latin typeface="Arial" panose="020B0604020202020204" pitchFamily="34" charset="0"/>
+                <a:cs typeface="Arial" panose="020B0604020202020204" pitchFamily="34" charset="0"/>
+              </a:rPr>
+              <a:t>backward</a:t>
             </a:r>
             <a:endParaRPr lang="en-US" b="1" dirty="0">
               <a:solidFill>
@@ -4794,7 +4807,17 @@
                 <a:latin typeface="Arial" panose="020B0604020202020204" pitchFamily="34" charset="0"/>
                 <a:cs typeface="Arial" panose="020B0604020202020204" pitchFamily="34" charset="0"/>
               </a:rPr>
-              <a:t>Use horizontal axis of left joystick to rotate left/right</a:t>
+              <a:t>Use horizontal axis of left joystick to rotate </a:t>
+            </a:r>
+            <a:r>
+              <a:rPr lang="en-US" b="1" dirty="0" smtClean="0">
+                <a:solidFill>
+                  <a:schemeClr val="bg1"/>
+                </a:solidFill>
+                <a:latin typeface="Arial" panose="020B0604020202020204" pitchFamily="34" charset="0"/>
+                <a:cs typeface="Arial" panose="020B0604020202020204" pitchFamily="34" charset="0"/>
+              </a:rPr>
+              <a:t>left and right</a:t>
             </a:r>
             <a:endParaRPr lang="en-US" b="1" dirty="0">
               <a:solidFill>
@@ -4895,7 +4918,7 @@
             <a:softEdge rad="31750"/>
           </a:effectLst>
           <a:extLst>
-            <a:ext uri="{909E8E84-426E-40dd-AFC4-6F175D3DCCD1}">
+            <a:ext uri="{909E8E84-426E-40DD-AFC4-6F175D3DCCD1}">
               <a14:hiddenFill xmlns:a14="http://schemas.microsoft.com/office/drawing/2010/main">
                 <a:solidFill>
                   <a:srgbClr val="FFFFFF"/>
@@ -4965,7 +4988,7 @@
   <p:timing>
     <p:tnLst>
       <p:par>
-        <p:cTn xmlns:p14="http://schemas.microsoft.com/office/powerpoint/2010/main" id="1" dur="indefinite" restart="never" nodeType="tmRoot"/>
+        <p:cTn id="1" dur="indefinite" restart="never" nodeType="tmRoot"/>
       </p:par>
     </p:tnLst>
   </p:timing>
@@ -5020,7 +5043,7 @@
           </a:prstGeom>
           <a:noFill/>
           <a:extLst>
-            <a:ext uri="{909E8E84-426E-40dd-AFC4-6F175D3DCCD1}">
+            <a:ext uri="{909E8E84-426E-40DD-AFC4-6F175D3DCCD1}">
               <a14:hiddenFill xmlns:a14="http://schemas.microsoft.com/office/drawing/2010/main">
                 <a:solidFill>
                   <a:srgbClr val="FFFFFF"/>
@@ -5234,27 +5257,7 @@
                 <a:latin typeface="Arial" panose="020B0604020202020204" pitchFamily="34" charset="0"/>
                 <a:cs typeface="Arial" panose="020B0604020202020204" pitchFamily="34" charset="0"/>
               </a:rPr>
-              <a:t>Use left joystick to tilt </a:t>
-            </a:r>
-            <a:r>
-              <a:rPr lang="en-US" b="1" smtClean="0">
-                <a:solidFill>
-                  <a:schemeClr val="bg1"/>
-                </a:solidFill>
-                <a:latin typeface="Arial" panose="020B0604020202020204" pitchFamily="34" charset="0"/>
-                <a:cs typeface="Arial" panose="020B0604020202020204" pitchFamily="34" charset="0"/>
-              </a:rPr>
-              <a:t>your </a:t>
-            </a:r>
-            <a:r>
-              <a:rPr lang="en-US" b="1" smtClean="0">
-                <a:solidFill>
-                  <a:schemeClr val="bg1"/>
-                </a:solidFill>
-                <a:latin typeface="Arial" panose="020B0604020202020204" pitchFamily="34" charset="0"/>
-                <a:cs typeface="Arial" panose="020B0604020202020204" pitchFamily="34" charset="0"/>
-              </a:rPr>
-              <a:t>surf board</a:t>
+              <a:t>Use left joystick to tilt your surf board</a:t>
             </a:r>
             <a:endParaRPr lang="en-US" b="1" dirty="0">
               <a:solidFill>
@@ -5442,7 +5445,7 @@
             <a:softEdge rad="31750"/>
           </a:effectLst>
           <a:extLst>
-            <a:ext uri="{909E8E84-426E-40dd-AFC4-6F175D3DCCD1}">
+            <a:ext uri="{909E8E84-426E-40DD-AFC4-6F175D3DCCD1}">
               <a14:hiddenFill xmlns:a14="http://schemas.microsoft.com/office/drawing/2010/main">
                 <a:solidFill>
                   <a:srgbClr val="FFFFFF"/>
@@ -5509,10 +5512,694 @@
   <p:timing>
     <p:tnLst>
       <p:par>
-        <p:cTn xmlns:p14="http://schemas.microsoft.com/office/powerpoint/2010/main" id="1" dur="indefinite" restart="never" nodeType="tmRoot"/>
+        <p:cTn id="1" dur="indefinite" restart="never" nodeType="tmRoot"/>
       </p:par>
     </p:tnLst>
   </p:timing>
+</p:sld>
+</file>
+
+<file path=ppt/slides/slide5.xml><?xml version="1.0" encoding="utf-8"?>
+<p:sld xmlns:a="http://schemas.openxmlformats.org/drawingml/2006/main" xmlns:r="http://schemas.openxmlformats.org/officeDocument/2006/relationships" xmlns:p="http://schemas.openxmlformats.org/presentationml/2006/main">
+  <p:cSld>
+    <p:spTree>
+      <p:nvGrpSpPr>
+        <p:cNvPr id="1" name=""/>
+        <p:cNvGrpSpPr/>
+        <p:nvPr/>
+      </p:nvGrpSpPr>
+      <p:grpSpPr>
+        <a:xfrm>
+          <a:off x="0" y="0"/>
+          <a:ext cx="0" cy="0"/>
+          <a:chOff x="0" y="0"/>
+          <a:chExt cx="0" cy="0"/>
+        </a:xfrm>
+      </p:grpSpPr>
+      <p:pic>
+        <p:nvPicPr>
+          <p:cNvPr id="1026" name="Picture 2"/>
+          <p:cNvPicPr>
+            <a:picLocks noChangeAspect="1" noChangeArrowheads="1"/>
+          </p:cNvPicPr>
+          <p:nvPr/>
+        </p:nvPicPr>
+        <p:blipFill>
+          <a:blip r:embed="rId2">
+            <a:extLst>
+              <a:ext uri="{28A0092B-C50C-407E-A947-70E740481C1C}">
+                <a14:useLocalDpi xmlns:a14="http://schemas.microsoft.com/office/drawing/2010/main" val="0"/>
+              </a:ext>
+            </a:extLst>
+          </a:blip>
+          <a:srcRect/>
+          <a:stretch>
+            <a:fillRect/>
+          </a:stretch>
+        </p:blipFill>
+        <p:spPr bwMode="auto">
+          <a:xfrm>
+            <a:off x="1600200" y="457200"/>
+            <a:ext cx="5791200" cy="4343400"/>
+          </a:xfrm>
+          <a:prstGeom prst="rect">
+            <a:avLst/>
+          </a:prstGeom>
+          <a:noFill/>
+          <a:ln>
+            <a:noFill/>
+          </a:ln>
+          <a:extLst>
+            <a:ext uri="{909E8E84-426E-40DD-AFC4-6F175D3DCCD1}">
+              <a14:hiddenFill xmlns:a14="http://schemas.microsoft.com/office/drawing/2010/main">
+                <a:solidFill>
+                  <a:schemeClr val="accent1"/>
+                </a:solidFill>
+              </a14:hiddenFill>
+            </a:ext>
+            <a:ext uri="{91240B29-F687-4F45-9708-019B960494DF}">
+              <a14:hiddenLine xmlns:a14="http://schemas.microsoft.com/office/drawing/2010/main" w="9525">
+                <a:solidFill>
+                  <a:schemeClr val="tx1"/>
+                </a:solidFill>
+                <a:miter lim="800000"/>
+                <a:headEnd/>
+                <a:tailEnd/>
+              </a14:hiddenLine>
+            </a:ext>
+          </a:extLst>
+        </p:spPr>
+      </p:pic>
+      <p:sp>
+        <p:nvSpPr>
+          <p:cNvPr id="6" name="TextBox 5"/>
+          <p:cNvSpPr txBox="1"/>
+          <p:nvPr/>
+        </p:nvSpPr>
+        <p:spPr>
+          <a:xfrm>
+            <a:off x="1143000" y="4916269"/>
+            <a:ext cx="6781800" cy="923330"/>
+          </a:xfrm>
+          <a:prstGeom prst="rect">
+            <a:avLst/>
+          </a:prstGeom>
+          <a:noFill/>
+        </p:spPr>
+        <p:txBody>
+          <a:bodyPr wrap="square" rtlCol="0">
+            <a:spAutoFit/>
+          </a:bodyPr>
+          <a:lstStyle/>
+          <a:p>
+            <a:pPr marL="285750" indent="-285750">
+              <a:buFont typeface="Arial" panose="020B0604020202020204" pitchFamily="34" charset="0"/>
+              <a:buChar char="•"/>
+            </a:pPr>
+            <a:r>
+              <a:rPr lang="en-US" b="1" dirty="0" smtClean="0">
+                <a:solidFill>
+                  <a:schemeClr val="bg1"/>
+                </a:solidFill>
+                <a:latin typeface="Arial" panose="020B0604020202020204" pitchFamily="34" charset="0"/>
+                <a:cs typeface="Arial" panose="020B0604020202020204" pitchFamily="34" charset="0"/>
+              </a:rPr>
+              <a:t>Press the      button to use walking mode.</a:t>
+            </a:r>
+          </a:p>
+          <a:p>
+            <a:pPr marL="285750" indent="-285750">
+              <a:buFont typeface="Arial" panose="020B0604020202020204" pitchFamily="34" charset="0"/>
+              <a:buChar char="•"/>
+            </a:pPr>
+            <a:r>
+              <a:rPr lang="en-US" b="1" dirty="0" smtClean="0">
+                <a:solidFill>
+                  <a:schemeClr val="bg1"/>
+                </a:solidFill>
+                <a:latin typeface="Arial" panose="020B0604020202020204" pitchFamily="34" charset="0"/>
+                <a:cs typeface="Arial" panose="020B0604020202020204" pitchFamily="34" charset="0"/>
+              </a:rPr>
+              <a:t>Collect the pumpkin the yellow arrow is pointing at.</a:t>
+            </a:r>
+          </a:p>
+          <a:p>
+            <a:pPr marL="285750" indent="-285750">
+              <a:buFont typeface="Arial" panose="020B0604020202020204" pitchFamily="34" charset="0"/>
+              <a:buChar char="•"/>
+            </a:pPr>
+            <a:r>
+              <a:rPr lang="en-US" b="1" dirty="0" smtClean="0">
+                <a:solidFill>
+                  <a:schemeClr val="bg1"/>
+                </a:solidFill>
+                <a:latin typeface="Arial" panose="020B0604020202020204" pitchFamily="34" charset="0"/>
+                <a:cs typeface="Arial" panose="020B0604020202020204" pitchFamily="34" charset="0"/>
+              </a:rPr>
+              <a:t>Collect all the pumpkins as fast as you can.</a:t>
+            </a:r>
+            <a:endParaRPr lang="en-US" b="1" dirty="0">
+              <a:solidFill>
+                <a:schemeClr val="bg1"/>
+              </a:solidFill>
+              <a:latin typeface="Arial" panose="020B0604020202020204" pitchFamily="34" charset="0"/>
+              <a:cs typeface="Arial" panose="020B0604020202020204" pitchFamily="34" charset="0"/>
+            </a:endParaRPr>
+          </a:p>
+        </p:txBody>
+      </p:sp>
+      <p:pic>
+        <p:nvPicPr>
+          <p:cNvPr id="7" name="Picture 2" descr="D:\materials\joystick.png"/>
+          <p:cNvPicPr>
+            <a:picLocks noChangeAspect="1" noChangeArrowheads="1"/>
+          </p:cNvPicPr>
+          <p:nvPr/>
+        </p:nvPicPr>
+        <p:blipFill rotWithShape="1">
+          <a:blip r:embed="rId3" cstate="print">
+            <a:clrChange>
+              <a:clrFrom>
+                <a:srgbClr val="CCCCCC"/>
+              </a:clrFrom>
+              <a:clrTo>
+                <a:srgbClr val="CCCCCC">
+                  <a:alpha val="0"/>
+                </a:srgbClr>
+              </a:clrTo>
+            </a:clrChange>
+            <a:extLst>
+              <a:ext uri="{28A0092B-C50C-407E-A947-70E740481C1C}">
+                <a14:useLocalDpi xmlns:a14="http://schemas.microsoft.com/office/drawing/2010/main" val="0"/>
+              </a:ext>
+            </a:extLst>
+          </a:blip>
+          <a:srcRect/>
+          <a:stretch/>
+        </p:blipFill>
+        <p:spPr bwMode="auto">
+          <a:xfrm>
+            <a:off x="2573708" y="4931470"/>
+            <a:ext cx="329706" cy="362677"/>
+          </a:xfrm>
+          <a:prstGeom prst="rect">
+            <a:avLst/>
+          </a:prstGeom>
+          <a:noFill/>
+          <a:effectLst>
+            <a:softEdge rad="31750"/>
+          </a:effectLst>
+          <a:extLst>
+            <a:ext uri="{909E8E84-426E-40DD-AFC4-6F175D3DCCD1}">
+              <a14:hiddenFill xmlns:a14="http://schemas.microsoft.com/office/drawing/2010/main">
+                <a:solidFill>
+                  <a:srgbClr val="FFFFFF"/>
+                </a:solidFill>
+              </a14:hiddenFill>
+            </a:ext>
+          </a:extLst>
+        </p:spPr>
+      </p:pic>
+    </p:spTree>
+    <p:extLst>
+      <p:ext uri="{BB962C8B-B14F-4D97-AF65-F5344CB8AC3E}">
+        <p14:creationId xmlns:p14="http://schemas.microsoft.com/office/powerpoint/2010/main" val="2549726587"/>
+      </p:ext>
+    </p:extLst>
+  </p:cSld>
+  <p:clrMapOvr>
+    <a:masterClrMapping/>
+  </p:clrMapOvr>
+</p:sld>
+</file>
+
+<file path=ppt/slides/slide6.xml><?xml version="1.0" encoding="utf-8"?>
+<p:sld xmlns:a="http://schemas.openxmlformats.org/drawingml/2006/main" xmlns:r="http://schemas.openxmlformats.org/officeDocument/2006/relationships" xmlns:p="http://schemas.openxmlformats.org/presentationml/2006/main">
+  <p:cSld>
+    <p:spTree>
+      <p:nvGrpSpPr>
+        <p:cNvPr id="1" name=""/>
+        <p:cNvGrpSpPr/>
+        <p:nvPr/>
+      </p:nvGrpSpPr>
+      <p:grpSpPr>
+        <a:xfrm>
+          <a:off x="0" y="0"/>
+          <a:ext cx="0" cy="0"/>
+          <a:chOff x="0" y="0"/>
+          <a:chExt cx="0" cy="0"/>
+        </a:xfrm>
+      </p:grpSpPr>
+      <p:pic>
+        <p:nvPicPr>
+          <p:cNvPr id="2050" name="Picture 2"/>
+          <p:cNvPicPr>
+            <a:picLocks noChangeAspect="1" noChangeArrowheads="1"/>
+          </p:cNvPicPr>
+          <p:nvPr/>
+        </p:nvPicPr>
+        <p:blipFill>
+          <a:blip r:embed="rId2">
+            <a:extLst>
+              <a:ext uri="{28A0092B-C50C-407E-A947-70E740481C1C}">
+                <a14:useLocalDpi xmlns:a14="http://schemas.microsoft.com/office/drawing/2010/main" val="0"/>
+              </a:ext>
+            </a:extLst>
+          </a:blip>
+          <a:srcRect/>
+          <a:stretch>
+            <a:fillRect/>
+          </a:stretch>
+        </p:blipFill>
+        <p:spPr bwMode="auto">
+          <a:xfrm>
+            <a:off x="1600200" y="457200"/>
+            <a:ext cx="5791200" cy="4343400"/>
+          </a:xfrm>
+          <a:prstGeom prst="rect">
+            <a:avLst/>
+          </a:prstGeom>
+          <a:noFill/>
+          <a:ln>
+            <a:noFill/>
+          </a:ln>
+          <a:extLst>
+            <a:ext uri="{909E8E84-426E-40DD-AFC4-6F175D3DCCD1}">
+              <a14:hiddenFill xmlns:a14="http://schemas.microsoft.com/office/drawing/2010/main">
+                <a:solidFill>
+                  <a:schemeClr val="accent1"/>
+                </a:solidFill>
+              </a14:hiddenFill>
+            </a:ext>
+            <a:ext uri="{91240B29-F687-4F45-9708-019B960494DF}">
+              <a14:hiddenLine xmlns:a14="http://schemas.microsoft.com/office/drawing/2010/main" w="9525">
+                <a:solidFill>
+                  <a:schemeClr val="tx1"/>
+                </a:solidFill>
+                <a:miter lim="800000"/>
+                <a:headEnd/>
+                <a:tailEnd/>
+              </a14:hiddenLine>
+            </a:ext>
+          </a:extLst>
+        </p:spPr>
+      </p:pic>
+      <p:sp>
+        <p:nvSpPr>
+          <p:cNvPr id="5" name="TextBox 4"/>
+          <p:cNvSpPr txBox="1"/>
+          <p:nvPr/>
+        </p:nvSpPr>
+        <p:spPr>
+          <a:xfrm>
+            <a:off x="1143000" y="4916269"/>
+            <a:ext cx="6781800" cy="1754326"/>
+          </a:xfrm>
+          <a:prstGeom prst="rect">
+            <a:avLst/>
+          </a:prstGeom>
+          <a:noFill/>
+        </p:spPr>
+        <p:txBody>
+          <a:bodyPr wrap="square" rtlCol="0">
+            <a:spAutoFit/>
+          </a:bodyPr>
+          <a:lstStyle/>
+          <a:p>
+            <a:pPr marL="285750" indent="-285750">
+              <a:buFont typeface="Arial" panose="020B0604020202020204" pitchFamily="34" charset="0"/>
+              <a:buChar char="•"/>
+            </a:pPr>
+            <a:r>
+              <a:rPr lang="en-US" b="1" dirty="0" smtClean="0">
+                <a:solidFill>
+                  <a:schemeClr val="bg1"/>
+                </a:solidFill>
+                <a:latin typeface="Arial" panose="020B0604020202020204" pitchFamily="34" charset="0"/>
+                <a:cs typeface="Arial" panose="020B0604020202020204" pitchFamily="34" charset="0"/>
+              </a:rPr>
+              <a:t>Press the      button to use Segway mode.</a:t>
+            </a:r>
+          </a:p>
+          <a:p>
+            <a:pPr marL="285750" indent="-285750">
+              <a:buFont typeface="Arial" panose="020B0604020202020204" pitchFamily="34" charset="0"/>
+              <a:buChar char="•"/>
+            </a:pPr>
+            <a:r>
+              <a:rPr lang="en-US" b="1" dirty="0" smtClean="0">
+                <a:solidFill>
+                  <a:schemeClr val="bg1"/>
+                </a:solidFill>
+                <a:latin typeface="Arial" panose="020B0604020202020204" pitchFamily="34" charset="0"/>
+                <a:cs typeface="Arial" panose="020B0604020202020204" pitchFamily="34" charset="0"/>
+              </a:rPr>
+              <a:t>Follow the yellow arrow.</a:t>
+            </a:r>
+          </a:p>
+          <a:p>
+            <a:pPr marL="285750" indent="-285750">
+              <a:buFont typeface="Arial" panose="020B0604020202020204" pitchFamily="34" charset="0"/>
+              <a:buChar char="•"/>
+            </a:pPr>
+            <a:r>
+              <a:rPr lang="en-US" b="1" dirty="0" smtClean="0">
+                <a:solidFill>
+                  <a:schemeClr val="bg1"/>
+                </a:solidFill>
+                <a:latin typeface="Arial" panose="020B0604020202020204" pitchFamily="34" charset="0"/>
+                <a:cs typeface="Arial" panose="020B0604020202020204" pitchFamily="34" charset="0"/>
+              </a:rPr>
+              <a:t>The arrow’s direction will change at </a:t>
+            </a:r>
+            <a:r>
+              <a:rPr lang="en-US" b="1" dirty="0" smtClean="0">
+                <a:solidFill>
+                  <a:schemeClr val="bg1"/>
+                </a:solidFill>
+                <a:latin typeface="Arial" panose="020B0604020202020204" pitchFamily="34" charset="0"/>
+                <a:cs typeface="Arial" panose="020B0604020202020204" pitchFamily="34" charset="0"/>
+              </a:rPr>
+              <a:t>intersections.</a:t>
+            </a:r>
+          </a:p>
+          <a:p>
+            <a:pPr marL="285750" indent="-285750">
+              <a:buFont typeface="Arial" panose="020B0604020202020204" pitchFamily="34" charset="0"/>
+              <a:buChar char="•"/>
+            </a:pPr>
+            <a:r>
+              <a:rPr lang="en-US" b="1" dirty="0" smtClean="0">
+                <a:solidFill>
+                  <a:schemeClr val="bg1"/>
+                </a:solidFill>
+                <a:latin typeface="Arial" panose="020B0604020202020204" pitchFamily="34" charset="0"/>
+                <a:cs typeface="Arial" panose="020B0604020202020204" pitchFamily="34" charset="0"/>
+              </a:rPr>
+              <a:t>The final goal is a white ring. Try to reach the goal as fast as you can. (Primary Goal)</a:t>
+            </a:r>
+          </a:p>
+          <a:p>
+            <a:pPr marL="285750" indent="-285750">
+              <a:buFont typeface="Arial" panose="020B0604020202020204" pitchFamily="34" charset="0"/>
+              <a:buChar char="•"/>
+            </a:pPr>
+            <a:r>
+              <a:rPr lang="en-US" b="1" dirty="0" smtClean="0">
+                <a:solidFill>
+                  <a:schemeClr val="bg1"/>
+                </a:solidFill>
+                <a:latin typeface="Arial" panose="020B0604020202020204" pitchFamily="34" charset="0"/>
+                <a:cs typeface="Arial" panose="020B0604020202020204" pitchFamily="34" charset="0"/>
+              </a:rPr>
+              <a:t>Try not to run into the forest or barrier tape. </a:t>
+            </a:r>
+            <a:endParaRPr lang="en-US" b="1" dirty="0">
+              <a:solidFill>
+                <a:schemeClr val="bg1"/>
+              </a:solidFill>
+              <a:latin typeface="Arial" panose="020B0604020202020204" pitchFamily="34" charset="0"/>
+              <a:cs typeface="Arial" panose="020B0604020202020204" pitchFamily="34" charset="0"/>
+            </a:endParaRPr>
+          </a:p>
+        </p:txBody>
+      </p:sp>
+      <p:pic>
+        <p:nvPicPr>
+          <p:cNvPr id="7" name="Picture 2" descr="D:\materials\joystick.png"/>
+          <p:cNvPicPr>
+            <a:picLocks noChangeAspect="1" noChangeArrowheads="1"/>
+          </p:cNvPicPr>
+          <p:nvPr/>
+        </p:nvPicPr>
+        <p:blipFill rotWithShape="1">
+          <a:blip r:embed="rId3" cstate="print">
+            <a:clrChange>
+              <a:clrFrom>
+                <a:srgbClr val="CCCCCC"/>
+              </a:clrFrom>
+              <a:clrTo>
+                <a:srgbClr val="CCCCCC">
+                  <a:alpha val="0"/>
+                </a:srgbClr>
+              </a:clrTo>
+            </a:clrChange>
+            <a:extLst>
+              <a:ext uri="{28A0092B-C50C-407E-A947-70E740481C1C}">
+                <a14:useLocalDpi xmlns:a14="http://schemas.microsoft.com/office/drawing/2010/main" val="0"/>
+              </a:ext>
+            </a:extLst>
+          </a:blip>
+          <a:srcRect l="67225" t="33514" b="32971"/>
+          <a:stretch/>
+        </p:blipFill>
+        <p:spPr bwMode="auto">
+          <a:xfrm>
+            <a:off x="2580324" y="4958999"/>
+            <a:ext cx="307444" cy="323165"/>
+          </a:xfrm>
+          <a:prstGeom prst="rect">
+            <a:avLst/>
+          </a:prstGeom>
+          <a:noFill/>
+          <a:effectLst>
+            <a:softEdge rad="31750"/>
+          </a:effectLst>
+          <a:extLst>
+            <a:ext uri="{909E8E84-426E-40DD-AFC4-6F175D3DCCD1}">
+              <a14:hiddenFill xmlns:a14="http://schemas.microsoft.com/office/drawing/2010/main">
+                <a:solidFill>
+                  <a:srgbClr val="FFFFFF"/>
+                </a:solidFill>
+              </a14:hiddenFill>
+            </a:ext>
+          </a:extLst>
+        </p:spPr>
+      </p:pic>
+    </p:spTree>
+    <p:extLst>
+      <p:ext uri="{BB962C8B-B14F-4D97-AF65-F5344CB8AC3E}">
+        <p14:creationId xmlns:p14="http://schemas.microsoft.com/office/powerpoint/2010/main" val="1302706387"/>
+      </p:ext>
+    </p:extLst>
+  </p:cSld>
+  <p:clrMapOvr>
+    <a:masterClrMapping/>
+  </p:clrMapOvr>
+</p:sld>
+</file>
+
+<file path=ppt/slides/slide7.xml><?xml version="1.0" encoding="utf-8"?>
+<p:sld xmlns:a="http://schemas.openxmlformats.org/drawingml/2006/main" xmlns:r="http://schemas.openxmlformats.org/officeDocument/2006/relationships" xmlns:p="http://schemas.openxmlformats.org/presentationml/2006/main">
+  <p:cSld>
+    <p:spTree>
+      <p:nvGrpSpPr>
+        <p:cNvPr id="1" name=""/>
+        <p:cNvGrpSpPr/>
+        <p:nvPr/>
+      </p:nvGrpSpPr>
+      <p:grpSpPr>
+        <a:xfrm>
+          <a:off x="0" y="0"/>
+          <a:ext cx="0" cy="0"/>
+          <a:chOff x="0" y="0"/>
+          <a:chExt cx="0" cy="0"/>
+        </a:xfrm>
+      </p:grpSpPr>
+      <p:pic>
+        <p:nvPicPr>
+          <p:cNvPr id="3074" name="Picture 2"/>
+          <p:cNvPicPr>
+            <a:picLocks noChangeAspect="1" noChangeArrowheads="1"/>
+          </p:cNvPicPr>
+          <p:nvPr/>
+        </p:nvPicPr>
+        <p:blipFill>
+          <a:blip r:embed="rId2">
+            <a:extLst>
+              <a:ext uri="{28A0092B-C50C-407E-A947-70E740481C1C}">
+                <a14:useLocalDpi xmlns:a14="http://schemas.microsoft.com/office/drawing/2010/main" val="0"/>
+              </a:ext>
+            </a:extLst>
+          </a:blip>
+          <a:srcRect/>
+          <a:stretch>
+            <a:fillRect/>
+          </a:stretch>
+        </p:blipFill>
+        <p:spPr bwMode="auto">
+          <a:xfrm>
+            <a:off x="1600200" y="457200"/>
+            <a:ext cx="5791200" cy="4343400"/>
+          </a:xfrm>
+          <a:prstGeom prst="rect">
+            <a:avLst/>
+          </a:prstGeom>
+          <a:noFill/>
+          <a:ln>
+            <a:noFill/>
+          </a:ln>
+          <a:extLst>
+            <a:ext uri="{909E8E84-426E-40DD-AFC4-6F175D3DCCD1}">
+              <a14:hiddenFill xmlns:a14="http://schemas.microsoft.com/office/drawing/2010/main">
+                <a:solidFill>
+                  <a:schemeClr val="accent1"/>
+                </a:solidFill>
+              </a14:hiddenFill>
+            </a:ext>
+            <a:ext uri="{91240B29-F687-4F45-9708-019B960494DF}">
+              <a14:hiddenLine xmlns:a14="http://schemas.microsoft.com/office/drawing/2010/main" w="9525">
+                <a:solidFill>
+                  <a:schemeClr val="tx1"/>
+                </a:solidFill>
+                <a:miter lim="800000"/>
+                <a:headEnd/>
+                <a:tailEnd/>
+              </a14:hiddenLine>
+            </a:ext>
+          </a:extLst>
+        </p:spPr>
+      </p:pic>
+      <p:sp>
+        <p:nvSpPr>
+          <p:cNvPr id="5" name="TextBox 4"/>
+          <p:cNvSpPr txBox="1"/>
+          <p:nvPr/>
+        </p:nvSpPr>
+        <p:spPr>
+          <a:xfrm>
+            <a:off x="1143000" y="4916269"/>
+            <a:ext cx="6781800" cy="1477328"/>
+          </a:xfrm>
+          <a:prstGeom prst="rect">
+            <a:avLst/>
+          </a:prstGeom>
+          <a:noFill/>
+        </p:spPr>
+        <p:txBody>
+          <a:bodyPr wrap="square" rtlCol="0">
+            <a:spAutoFit/>
+          </a:bodyPr>
+          <a:lstStyle/>
+          <a:p>
+            <a:pPr marL="285750" indent="-285750">
+              <a:buFont typeface="Arial" panose="020B0604020202020204" pitchFamily="34" charset="0"/>
+              <a:buChar char="•"/>
+            </a:pPr>
+            <a:r>
+              <a:rPr lang="en-US" b="1" dirty="0" smtClean="0">
+                <a:solidFill>
+                  <a:schemeClr val="bg1"/>
+                </a:solidFill>
+                <a:latin typeface="Arial" panose="020B0604020202020204" pitchFamily="34" charset="0"/>
+                <a:cs typeface="Arial" panose="020B0604020202020204" pitchFamily="34" charset="0"/>
+              </a:rPr>
+              <a:t>Press the      button to use Surfing mode.</a:t>
+            </a:r>
+          </a:p>
+          <a:p>
+            <a:pPr marL="285750" indent="-285750">
+              <a:buFont typeface="Arial" panose="020B0604020202020204" pitchFamily="34" charset="0"/>
+              <a:buChar char="•"/>
+            </a:pPr>
+            <a:r>
+              <a:rPr lang="en-US" b="1" dirty="0" smtClean="0">
+                <a:solidFill>
+                  <a:schemeClr val="bg1"/>
+                </a:solidFill>
+                <a:latin typeface="Arial" panose="020B0604020202020204" pitchFamily="34" charset="0"/>
+                <a:cs typeface="Arial" panose="020B0604020202020204" pitchFamily="34" charset="0"/>
+              </a:rPr>
+              <a:t>Use the blue spheres as a guide and try to stay as close as possible. (Secondary Goal)</a:t>
+            </a:r>
+          </a:p>
+          <a:p>
+            <a:pPr marL="285750" indent="-285750">
+              <a:buFont typeface="Arial" panose="020B0604020202020204" pitchFamily="34" charset="0"/>
+              <a:buChar char="•"/>
+            </a:pPr>
+            <a:r>
+              <a:rPr lang="en-US" b="1" dirty="0" smtClean="0">
+                <a:solidFill>
+                  <a:schemeClr val="bg1"/>
+                </a:solidFill>
+                <a:latin typeface="Arial" panose="020B0604020202020204" pitchFamily="34" charset="0"/>
+                <a:cs typeface="Arial" panose="020B0604020202020204" pitchFamily="34" charset="0"/>
+              </a:rPr>
+              <a:t>The final goal is a white ring. Reach it as fast as you can (Primary Goal)</a:t>
+            </a:r>
+            <a:endParaRPr lang="en-US" b="1" dirty="0">
+              <a:solidFill>
+                <a:schemeClr val="bg1"/>
+              </a:solidFill>
+              <a:latin typeface="Arial" panose="020B0604020202020204" pitchFamily="34" charset="0"/>
+              <a:cs typeface="Arial" panose="020B0604020202020204" pitchFamily="34" charset="0"/>
+            </a:endParaRPr>
+          </a:p>
+        </p:txBody>
+      </p:sp>
+      <p:pic>
+        <p:nvPicPr>
+          <p:cNvPr id="6" name="Picture 2" descr="D:\materials\joystick.png"/>
+          <p:cNvPicPr>
+            <a:picLocks noChangeAspect="1" noChangeArrowheads="1"/>
+          </p:cNvPicPr>
+          <p:nvPr/>
+        </p:nvPicPr>
+        <p:blipFill rotWithShape="1">
+          <a:blip r:embed="rId3" cstate="print">
+            <a:clrChange>
+              <a:clrFrom>
+                <a:srgbClr val="CCCCCC"/>
+              </a:clrFrom>
+              <a:clrTo>
+                <a:srgbClr val="CCCCCC">
+                  <a:alpha val="0"/>
+                </a:srgbClr>
+              </a:clrTo>
+            </a:clrChange>
+            <a:extLst>
+              <a:ext uri="{28A0092B-C50C-407E-A947-70E740481C1C}">
+                <a14:useLocalDpi xmlns:a14="http://schemas.microsoft.com/office/drawing/2010/main" val="0"/>
+              </a:ext>
+            </a:extLst>
+          </a:blip>
+          <a:srcRect l="34357" t="65580" r="32821" b="1902"/>
+          <a:stretch/>
+        </p:blipFill>
+        <p:spPr bwMode="auto">
+          <a:xfrm>
+            <a:off x="2578115" y="4949303"/>
+            <a:ext cx="322469" cy="328415"/>
+          </a:xfrm>
+          <a:prstGeom prst="rect">
+            <a:avLst/>
+          </a:prstGeom>
+          <a:noFill/>
+          <a:effectLst>
+            <a:softEdge rad="31750"/>
+          </a:effectLst>
+          <a:extLst>
+            <a:ext uri="{909E8E84-426E-40DD-AFC4-6F175D3DCCD1}">
+              <a14:hiddenFill xmlns:a14="http://schemas.microsoft.com/office/drawing/2010/main">
+                <a:solidFill>
+                  <a:srgbClr val="FFFFFF"/>
+                </a:solidFill>
+              </a14:hiddenFill>
+            </a:ext>
+          </a:extLst>
+        </p:spPr>
+      </p:pic>
+    </p:spTree>
+    <p:extLst>
+      <p:ext uri="{BB962C8B-B14F-4D97-AF65-F5344CB8AC3E}">
+        <p14:creationId xmlns:p14="http://schemas.microsoft.com/office/powerpoint/2010/main" val="1881886224"/>
+      </p:ext>
+    </p:extLst>
+  </p:cSld>
+  <p:clrMapOvr>
+    <a:masterClrMapping/>
+  </p:clrMapOvr>
 </p:sld>
 </file>
 

--- a/GamepadTraining.pptx
+++ b/GamepadTraining.pptx
@@ -5,16 +5,13 @@
     <p:sldMasterId id="2147483648" r:id="rId1"/>
   </p:sldMasterIdLst>
   <p:notesMasterIdLst>
-    <p:notesMasterId r:id="rId9"/>
+    <p:notesMasterId r:id="rId6"/>
   </p:notesMasterIdLst>
   <p:sldIdLst>
     <p:sldId id="256" r:id="rId2"/>
     <p:sldId id="257" r:id="rId3"/>
     <p:sldId id="258" r:id="rId4"/>
     <p:sldId id="259" r:id="rId5"/>
-    <p:sldId id="260" r:id="rId6"/>
-    <p:sldId id="261" r:id="rId7"/>
-    <p:sldId id="262" r:id="rId8"/>
   </p:sldIdLst>
   <p:sldSz cx="9144000" cy="6858000" type="screen4x3"/>
   <p:notesSz cx="6858000" cy="9144000"/>
@@ -198,7 +195,7 @@
           <a:p>
             <a:fld id="{94718E82-1CFB-4163-A2D6-07BA16A5F6AC}" type="datetimeFigureOut">
               <a:rPr lang="en-US" smtClean="0"/>
-              <a:t>11/4/2015</a:t>
+              <a:t>4/2/2016</a:t>
             </a:fld>
             <a:endParaRPr lang="en-US"/>
           </a:p>
@@ -647,7 +644,7 @@
           <a:p>
             <a:fld id="{00CF07E8-8F9E-4389-812A-7F17362C15DE}" type="datetimeFigureOut">
               <a:rPr lang="en-US" smtClean="0"/>
-              <a:t>11/4/2015</a:t>
+              <a:t>4/2/2016</a:t>
             </a:fld>
             <a:endParaRPr lang="en-US"/>
           </a:p>
@@ -824,7 +821,7 @@
           <a:p>
             <a:fld id="{00CF07E8-8F9E-4389-812A-7F17362C15DE}" type="datetimeFigureOut">
               <a:rPr lang="en-US" smtClean="0"/>
-              <a:t>11/4/2015</a:t>
+              <a:t>4/2/2016</a:t>
             </a:fld>
             <a:endParaRPr lang="en-US"/>
           </a:p>
@@ -1004,7 +1001,7 @@
           <a:p>
             <a:fld id="{00CF07E8-8F9E-4389-812A-7F17362C15DE}" type="datetimeFigureOut">
               <a:rPr lang="en-US" smtClean="0"/>
-              <a:t>11/4/2015</a:t>
+              <a:t>4/2/2016</a:t>
             </a:fld>
             <a:endParaRPr lang="en-US"/>
           </a:p>
@@ -1174,7 +1171,7 @@
           <a:p>
             <a:fld id="{00CF07E8-8F9E-4389-812A-7F17362C15DE}" type="datetimeFigureOut">
               <a:rPr lang="en-US" smtClean="0"/>
-              <a:t>11/4/2015</a:t>
+              <a:t>4/2/2016</a:t>
             </a:fld>
             <a:endParaRPr lang="en-US"/>
           </a:p>
@@ -1420,7 +1417,7 @@
           <a:p>
             <a:fld id="{00CF07E8-8F9E-4389-812A-7F17362C15DE}" type="datetimeFigureOut">
               <a:rPr lang="en-US" smtClean="0"/>
-              <a:t>11/4/2015</a:t>
+              <a:t>4/2/2016</a:t>
             </a:fld>
             <a:endParaRPr lang="en-US"/>
           </a:p>
@@ -1708,7 +1705,7 @@
           <a:p>
             <a:fld id="{00CF07E8-8F9E-4389-812A-7F17362C15DE}" type="datetimeFigureOut">
               <a:rPr lang="en-US" smtClean="0"/>
-              <a:t>11/4/2015</a:t>
+              <a:t>4/2/2016</a:t>
             </a:fld>
             <a:endParaRPr lang="en-US"/>
           </a:p>
@@ -2130,7 +2127,7 @@
           <a:p>
             <a:fld id="{00CF07E8-8F9E-4389-812A-7F17362C15DE}" type="datetimeFigureOut">
               <a:rPr lang="en-US" smtClean="0"/>
-              <a:t>11/4/2015</a:t>
+              <a:t>4/2/2016</a:t>
             </a:fld>
             <a:endParaRPr lang="en-US"/>
           </a:p>
@@ -2248,7 +2245,7 @@
           <a:p>
             <a:fld id="{00CF07E8-8F9E-4389-812A-7F17362C15DE}" type="datetimeFigureOut">
               <a:rPr lang="en-US" smtClean="0"/>
-              <a:t>11/4/2015</a:t>
+              <a:t>4/2/2016</a:t>
             </a:fld>
             <a:endParaRPr lang="en-US"/>
           </a:p>
@@ -2343,7 +2340,7 @@
           <a:p>
             <a:fld id="{00CF07E8-8F9E-4389-812A-7F17362C15DE}" type="datetimeFigureOut">
               <a:rPr lang="en-US" smtClean="0"/>
-              <a:t>11/4/2015</a:t>
+              <a:t>4/2/2016</a:t>
             </a:fld>
             <a:endParaRPr lang="en-US"/>
           </a:p>
@@ -2620,7 +2617,7 @@
           <a:p>
             <a:fld id="{00CF07E8-8F9E-4389-812A-7F17362C15DE}" type="datetimeFigureOut">
               <a:rPr lang="en-US" smtClean="0"/>
-              <a:t>11/4/2015</a:t>
+              <a:t>4/2/2016</a:t>
             </a:fld>
             <a:endParaRPr lang="en-US"/>
           </a:p>
@@ -2873,7 +2870,7 @@
           <a:p>
             <a:fld id="{00CF07E8-8F9E-4389-812A-7F17362C15DE}" type="datetimeFigureOut">
               <a:rPr lang="en-US" smtClean="0"/>
-              <a:t>11/4/2015</a:t>
+              <a:t>4/2/2016</a:t>
             </a:fld>
             <a:endParaRPr lang="en-US"/>
           </a:p>
@@ -3092,7 +3089,7 @@
           <a:p>
             <a:fld id="{00CF07E8-8F9E-4389-812A-7F17362C15DE}" type="datetimeFigureOut">
               <a:rPr lang="en-US" smtClean="0"/>
-              <a:t>11/4/2015</a:t>
+              <a:t>4/2/2016</a:t>
             </a:fld>
             <a:endParaRPr lang="en-US"/>
           </a:p>
@@ -3614,58 +3611,6 @@
       </p:pic>
       <p:pic>
         <p:nvPicPr>
-          <p:cNvPr id="7" name="Picture 2" descr="D:\materials\joystick.png"/>
-          <p:cNvPicPr>
-            <a:picLocks noChangeAspect="1" noChangeArrowheads="1"/>
-          </p:cNvPicPr>
-          <p:nvPr/>
-        </p:nvPicPr>
-        <p:blipFill rotWithShape="1">
-          <a:blip r:embed="rId4" cstate="print">
-            <a:clrChange>
-              <a:clrFrom>
-                <a:srgbClr val="CCCCCC"/>
-              </a:clrFrom>
-              <a:clrTo>
-                <a:srgbClr val="CCCCCC">
-                  <a:alpha val="0"/>
-                </a:srgbClr>
-              </a:clrTo>
-            </a:clrChange>
-            <a:extLst>
-              <a:ext uri="{28A0092B-C50C-407E-A947-70E740481C1C}">
-                <a14:useLocalDpi xmlns:a14="http://schemas.microsoft.com/office/drawing/2010/main" val="0"/>
-              </a:ext>
-            </a:extLst>
-          </a:blip>
-          <a:srcRect l="34357" t="65580" r="32821" b="1902"/>
-          <a:stretch/>
-        </p:blipFill>
-        <p:spPr bwMode="auto">
-          <a:xfrm>
-            <a:off x="5517734" y="4758172"/>
-            <a:ext cx="502066" cy="511324"/>
-          </a:xfrm>
-          <a:prstGeom prst="rect">
-            <a:avLst/>
-          </a:prstGeom>
-          <a:noFill/>
-          <a:effectLst>
-            <a:softEdge rad="31750"/>
-          </a:effectLst>
-          <a:extLst>
-            <a:ext uri="{909E8E84-426E-40DD-AFC4-6F175D3DCCD1}">
-              <a14:hiddenFill xmlns:a14="http://schemas.microsoft.com/office/drawing/2010/main">
-                <a:solidFill>
-                  <a:srgbClr val="FFFFFF"/>
-                </a:solidFill>
-              </a14:hiddenFill>
-            </a:ext>
-          </a:extLst>
-        </p:spPr>
-      </p:pic>
-      <p:pic>
-        <p:nvPicPr>
           <p:cNvPr id="8" name="Picture 2" descr="D:\materials\joystick.png"/>
           <p:cNvPicPr>
             <a:picLocks noChangeAspect="1" noChangeArrowheads="1"/>
@@ -3695,7 +3640,7 @@
         </p:blipFill>
         <p:spPr bwMode="auto">
           <a:xfrm>
-            <a:off x="1260192" y="5588746"/>
+            <a:off x="5454174" y="4753547"/>
             <a:ext cx="495034" cy="520581"/>
           </a:xfrm>
           <a:prstGeom prst="rect">
@@ -3802,55 +3747,13 @@
       </p:sp>
       <p:sp>
         <p:nvSpPr>
-          <p:cNvPr id="11" name="TextBox 10"/>
-          <p:cNvSpPr txBox="1"/>
-          <p:nvPr/>
-        </p:nvSpPr>
-        <p:spPr>
-          <a:xfrm>
-            <a:off x="6019800" y="4649517"/>
-            <a:ext cx="1295400" cy="646331"/>
-          </a:xfrm>
-          <a:prstGeom prst="rect">
-            <a:avLst/>
-          </a:prstGeom>
-          <a:noFill/>
-        </p:spPr>
-        <p:txBody>
-          <a:bodyPr wrap="square" rtlCol="0">
-            <a:spAutoFit/>
-          </a:bodyPr>
-          <a:lstStyle/>
-          <a:p>
-            <a:r>
-              <a:rPr lang="en-US" b="1" dirty="0" smtClean="0">
-                <a:solidFill>
-                  <a:schemeClr val="bg1"/>
-                </a:solidFill>
-                <a:latin typeface="Arial" panose="020B0604020202020204" pitchFamily="34" charset="0"/>
-                <a:cs typeface="Arial" panose="020B0604020202020204" pitchFamily="34" charset="0"/>
-              </a:rPr>
-              <a:t>Surfing Mode</a:t>
-            </a:r>
-            <a:endParaRPr lang="en-US" b="1" dirty="0">
-              <a:solidFill>
-                <a:schemeClr val="bg1"/>
-              </a:solidFill>
-              <a:latin typeface="Arial" panose="020B0604020202020204" pitchFamily="34" charset="0"/>
-              <a:cs typeface="Arial" panose="020B0604020202020204" pitchFamily="34" charset="0"/>
-            </a:endParaRPr>
-          </a:p>
-        </p:txBody>
-      </p:sp>
-      <p:sp>
-        <p:nvSpPr>
           <p:cNvPr id="12" name="TextBox 11"/>
           <p:cNvSpPr txBox="1"/>
           <p:nvPr/>
         </p:nvSpPr>
         <p:spPr>
           <a:xfrm>
-            <a:off x="1907136" y="5525869"/>
+            <a:off x="6101118" y="4690670"/>
             <a:ext cx="2101554" cy="646331"/>
           </a:xfrm>
           <a:prstGeom prst="rect">
@@ -4735,8 +4638,40 @@
                 <a:latin typeface="Arial" panose="020B0604020202020204" pitchFamily="34" charset="0"/>
                 <a:cs typeface="Arial" panose="020B0604020202020204" pitchFamily="34" charset="0"/>
               </a:rPr>
-              <a:t>Use vertical axis of left </a:t>
-            </a:r>
+              <a:t>Use vertical axis of left joystick to move forward and backward</a:t>
+            </a:r>
+            <a:endParaRPr lang="en-US" b="1" dirty="0">
+              <a:solidFill>
+                <a:schemeClr val="bg1"/>
+              </a:solidFill>
+              <a:latin typeface="Arial" panose="020B0604020202020204" pitchFamily="34" charset="0"/>
+              <a:cs typeface="Arial" panose="020B0604020202020204" pitchFamily="34" charset="0"/>
+            </a:endParaRPr>
+          </a:p>
+        </p:txBody>
+      </p:sp>
+      <p:sp>
+        <p:nvSpPr>
+          <p:cNvPr id="19" name="TextBox 18"/>
+          <p:cNvSpPr txBox="1"/>
+          <p:nvPr/>
+        </p:nvSpPr>
+        <p:spPr>
+          <a:xfrm>
+            <a:off x="2855000" y="5628966"/>
+            <a:ext cx="3916942" cy="646331"/>
+          </a:xfrm>
+          <a:prstGeom prst="rect">
+            <a:avLst/>
+          </a:prstGeom>
+          <a:noFill/>
+        </p:spPr>
+        <p:txBody>
+          <a:bodyPr wrap="square" rtlCol="0">
+            <a:spAutoFit/>
+          </a:bodyPr>
+          <a:lstStyle/>
+          <a:p>
             <a:r>
               <a:rPr lang="en-US" b="1" dirty="0" smtClean="0">
                 <a:solidFill>
@@ -4745,79 +4680,7 @@
                 <a:latin typeface="Arial" panose="020B0604020202020204" pitchFamily="34" charset="0"/>
                 <a:cs typeface="Arial" panose="020B0604020202020204" pitchFamily="34" charset="0"/>
               </a:rPr>
-              <a:t>joystick to </a:t>
-            </a:r>
-            <a:r>
-              <a:rPr lang="en-US" b="1" dirty="0" smtClean="0">
-                <a:solidFill>
-                  <a:schemeClr val="bg1"/>
-                </a:solidFill>
-                <a:latin typeface="Arial" panose="020B0604020202020204" pitchFamily="34" charset="0"/>
-                <a:cs typeface="Arial" panose="020B0604020202020204" pitchFamily="34" charset="0"/>
-              </a:rPr>
-              <a:t>move forward and </a:t>
-            </a:r>
-            <a:r>
-              <a:rPr lang="en-US" b="1" dirty="0" smtClean="0">
-                <a:solidFill>
-                  <a:schemeClr val="bg1"/>
-                </a:solidFill>
-                <a:latin typeface="Arial" panose="020B0604020202020204" pitchFamily="34" charset="0"/>
-                <a:cs typeface="Arial" panose="020B0604020202020204" pitchFamily="34" charset="0"/>
-              </a:rPr>
-              <a:t>backward</a:t>
-            </a:r>
-            <a:endParaRPr lang="en-US" b="1" dirty="0">
-              <a:solidFill>
-                <a:schemeClr val="bg1"/>
-              </a:solidFill>
-              <a:latin typeface="Arial" panose="020B0604020202020204" pitchFamily="34" charset="0"/>
-              <a:cs typeface="Arial" panose="020B0604020202020204" pitchFamily="34" charset="0"/>
-            </a:endParaRPr>
-          </a:p>
-        </p:txBody>
-      </p:sp>
-      <p:sp>
-        <p:nvSpPr>
-          <p:cNvPr id="19" name="TextBox 18"/>
-          <p:cNvSpPr txBox="1"/>
-          <p:nvPr/>
-        </p:nvSpPr>
-        <p:spPr>
-          <a:xfrm>
-            <a:off x="2855000" y="5628966"/>
-            <a:ext cx="3916942" cy="646331"/>
-          </a:xfrm>
-          <a:prstGeom prst="rect">
-            <a:avLst/>
-          </a:prstGeom>
-          <a:noFill/>
-        </p:spPr>
-        <p:txBody>
-          <a:bodyPr wrap="square" rtlCol="0">
-            <a:spAutoFit/>
-          </a:bodyPr>
-          <a:lstStyle/>
-          <a:p>
-            <a:r>
-              <a:rPr lang="en-US" b="1" dirty="0" smtClean="0">
-                <a:solidFill>
-                  <a:schemeClr val="bg1"/>
-                </a:solidFill>
-                <a:latin typeface="Arial" panose="020B0604020202020204" pitchFamily="34" charset="0"/>
-                <a:cs typeface="Arial" panose="020B0604020202020204" pitchFamily="34" charset="0"/>
-              </a:rPr>
-              <a:t>Use horizontal axis of left joystick to rotate </a:t>
-            </a:r>
-            <a:r>
-              <a:rPr lang="en-US" b="1" dirty="0" smtClean="0">
-                <a:solidFill>
-                  <a:schemeClr val="bg1"/>
-                </a:solidFill>
-                <a:latin typeface="Arial" panose="020B0604020202020204" pitchFamily="34" charset="0"/>
-                <a:cs typeface="Arial" panose="020B0604020202020204" pitchFamily="34" charset="0"/>
-              </a:rPr>
-              <a:t>left and right</a:t>
+              <a:t>Use horizontal axis of left joystick to rotate left and right</a:t>
             </a:r>
             <a:endParaRPr lang="en-US" b="1" dirty="0">
               <a:solidFill>
@@ -5012,16 +4875,78 @@
           <a:chExt cx="0" cy="0"/>
         </a:xfrm>
       </p:grpSpPr>
+      <p:sp>
+        <p:nvSpPr>
+          <p:cNvPr id="6" name="TextBox 5"/>
+          <p:cNvSpPr txBox="1"/>
+          <p:nvPr/>
+        </p:nvSpPr>
+        <p:spPr>
+          <a:xfrm>
+            <a:off x="1124857" y="5867400"/>
+            <a:ext cx="6781800" cy="646331"/>
+          </a:xfrm>
+          <a:prstGeom prst="rect">
+            <a:avLst/>
+          </a:prstGeom>
+          <a:noFill/>
+        </p:spPr>
+        <p:txBody>
+          <a:bodyPr wrap="square" rtlCol="0">
+            <a:spAutoFit/>
+          </a:bodyPr>
+          <a:lstStyle/>
+          <a:p>
+            <a:pPr marL="285750" indent="-285750">
+              <a:buFont typeface="Arial" panose="020B0604020202020204" pitchFamily="34" charset="0"/>
+              <a:buChar char="•"/>
+            </a:pPr>
+            <a:r>
+              <a:rPr lang="en-US" b="1" dirty="0" smtClean="0">
+                <a:solidFill>
+                  <a:schemeClr val="bg1"/>
+                </a:solidFill>
+                <a:latin typeface="Arial" panose="020B0604020202020204" pitchFamily="34" charset="0"/>
+                <a:cs typeface="Arial" panose="020B0604020202020204" pitchFamily="34" charset="0"/>
+              </a:rPr>
+              <a:t>Follow the yellow arrow and the red dots</a:t>
+            </a:r>
+          </a:p>
+          <a:p>
+            <a:pPr marL="285750" indent="-285750">
+              <a:buFont typeface="Arial" panose="020B0604020202020204" pitchFamily="34" charset="0"/>
+              <a:buChar char="•"/>
+            </a:pPr>
+            <a:r>
+              <a:rPr lang="en-US" b="1" dirty="0" smtClean="0">
+                <a:solidFill>
+                  <a:schemeClr val="bg1"/>
+                </a:solidFill>
+                <a:latin typeface="Arial" panose="020B0604020202020204" pitchFamily="34" charset="0"/>
+                <a:cs typeface="Arial" panose="020B0604020202020204" pitchFamily="34" charset="0"/>
+              </a:rPr>
+              <a:t>The distance between red dots could be different</a:t>
+            </a:r>
+            <a:endParaRPr lang="en-US" b="1" dirty="0">
+              <a:solidFill>
+                <a:schemeClr val="bg1"/>
+              </a:solidFill>
+              <a:latin typeface="Arial" panose="020B0604020202020204" pitchFamily="34" charset="0"/>
+              <a:cs typeface="Arial" panose="020B0604020202020204" pitchFamily="34" charset="0"/>
+            </a:endParaRPr>
+          </a:p>
+        </p:txBody>
+      </p:sp>
       <p:pic>
         <p:nvPicPr>
-          <p:cNvPr id="1026" name="Picture 2" descr="D:\materials\joystick.png"/>
+          <p:cNvPr id="2" name="Picture 2"/>
           <p:cNvPicPr>
             <a:picLocks noChangeAspect="1" noChangeArrowheads="1"/>
           </p:cNvPicPr>
           <p:nvPr/>
         </p:nvPicPr>
         <p:blipFill>
-          <a:blip r:embed="rId2">
+          <a:blip r:embed="rId2" cstate="print">
             <a:extLst>
               <a:ext uri="{28A0092B-C50C-407E-A947-70E740481C1C}">
                 <a14:useLocalDpi xmlns:a14="http://schemas.microsoft.com/office/drawing/2010/main" val="0"/>
@@ -5035,532 +4960,8 @@
         </p:blipFill>
         <p:spPr bwMode="auto">
           <a:xfrm>
-            <a:off x="1992104" y="991917"/>
-            <a:ext cx="5159791" cy="3275938"/>
-          </a:xfrm>
-          <a:prstGeom prst="rect">
-            <a:avLst/>
-          </a:prstGeom>
-          <a:noFill/>
-          <a:extLst>
-            <a:ext uri="{909E8E84-426E-40DD-AFC4-6F175D3DCCD1}">
-              <a14:hiddenFill xmlns:a14="http://schemas.microsoft.com/office/drawing/2010/main">
-                <a:solidFill>
-                  <a:srgbClr val="FFFFFF"/>
-                </a:solidFill>
-              </a14:hiddenFill>
-            </a:ext>
-          </a:extLst>
-        </p:spPr>
-      </p:pic>
-      <p:sp>
-        <p:nvSpPr>
-          <p:cNvPr id="13" name="TextBox 12"/>
-          <p:cNvSpPr txBox="1"/>
-          <p:nvPr/>
-        </p:nvSpPr>
-        <p:spPr>
-          <a:xfrm>
-            <a:off x="658603" y="351684"/>
-            <a:ext cx="3130388" cy="461665"/>
-          </a:xfrm>
-          <a:prstGeom prst="rect">
-            <a:avLst/>
-          </a:prstGeom>
-          <a:noFill/>
-        </p:spPr>
-        <p:txBody>
-          <a:bodyPr wrap="square" rtlCol="0">
-            <a:spAutoFit/>
-          </a:bodyPr>
-          <a:lstStyle/>
-          <a:p>
-            <a:r>
-              <a:rPr lang="en-US" sz="2400" b="1" dirty="0" smtClean="0">
-                <a:solidFill>
-                  <a:schemeClr val="bg1"/>
-                </a:solidFill>
-                <a:latin typeface="Arial" panose="020B0604020202020204" pitchFamily="34" charset="0"/>
-                <a:cs typeface="Arial" panose="020B0604020202020204" pitchFamily="34" charset="0"/>
-              </a:rPr>
-              <a:t>       Surfing Mode</a:t>
-            </a:r>
-            <a:endParaRPr lang="en-US" sz="2400" b="1" dirty="0">
-              <a:solidFill>
-                <a:schemeClr val="bg1"/>
-              </a:solidFill>
-              <a:latin typeface="Arial" panose="020B0604020202020204" pitchFamily="34" charset="0"/>
-              <a:cs typeface="Arial" panose="020B0604020202020204" pitchFamily="34" charset="0"/>
-            </a:endParaRPr>
-          </a:p>
-        </p:txBody>
-      </p:sp>
-      <p:sp>
-        <p:nvSpPr>
-          <p:cNvPr id="2" name="Oval 1"/>
-          <p:cNvSpPr/>
-          <p:nvPr/>
-        </p:nvSpPr>
-        <p:spPr>
-          <a:xfrm>
-            <a:off x="3461758" y="2540000"/>
-            <a:ext cx="654466" cy="654466"/>
-          </a:xfrm>
-          <a:prstGeom prst="ellipse">
-            <a:avLst/>
-          </a:prstGeom>
-        </p:spPr>
-        <p:style>
-          <a:lnRef idx="1">
-            <a:schemeClr val="accent2"/>
-          </a:lnRef>
-          <a:fillRef idx="2">
-            <a:schemeClr val="accent2"/>
-          </a:fillRef>
-          <a:effectRef idx="1">
-            <a:schemeClr val="accent2"/>
-          </a:effectRef>
-          <a:fontRef idx="minor">
-            <a:schemeClr val="dk1"/>
-          </a:fontRef>
-        </p:style>
-        <p:txBody>
-          <a:bodyPr rtlCol="0" anchor="ctr"/>
-          <a:lstStyle/>
-          <a:p>
-            <a:pPr algn="ctr"/>
-            <a:endParaRPr lang="en-US" b="1">
-              <a:solidFill>
-                <a:schemeClr val="bg1"/>
-              </a:solidFill>
-              <a:latin typeface="Arial" panose="020B0604020202020204" pitchFamily="34" charset="0"/>
-              <a:cs typeface="Arial" panose="020B0604020202020204" pitchFamily="34" charset="0"/>
-            </a:endParaRPr>
-          </a:p>
-        </p:txBody>
-      </p:sp>
-      <p:sp>
-        <p:nvSpPr>
-          <p:cNvPr id="15" name="Oval 14"/>
-          <p:cNvSpPr/>
-          <p:nvPr/>
-        </p:nvSpPr>
-        <p:spPr>
-          <a:xfrm>
-            <a:off x="5025401" y="2537033"/>
-            <a:ext cx="654466" cy="654466"/>
-          </a:xfrm>
-          <a:prstGeom prst="ellipse">
-            <a:avLst/>
-          </a:prstGeom>
-        </p:spPr>
-        <p:style>
-          <a:lnRef idx="1">
-            <a:schemeClr val="accent5"/>
-          </a:lnRef>
-          <a:fillRef idx="2">
-            <a:schemeClr val="accent5"/>
-          </a:fillRef>
-          <a:effectRef idx="1">
-            <a:schemeClr val="accent5"/>
-          </a:effectRef>
-          <a:fontRef idx="minor">
-            <a:schemeClr val="dk1"/>
-          </a:fontRef>
-        </p:style>
-        <p:txBody>
-          <a:bodyPr rtlCol="0" anchor="ctr"/>
-          <a:lstStyle/>
-          <a:p>
-            <a:pPr algn="ctr"/>
-            <a:endParaRPr lang="en-US" b="1">
-              <a:solidFill>
-                <a:schemeClr val="bg1"/>
-              </a:solidFill>
-              <a:latin typeface="Arial" panose="020B0604020202020204" pitchFamily="34" charset="0"/>
-              <a:cs typeface="Arial" panose="020B0604020202020204" pitchFamily="34" charset="0"/>
-            </a:endParaRPr>
-          </a:p>
-        </p:txBody>
-      </p:sp>
-      <p:sp>
-        <p:nvSpPr>
-          <p:cNvPr id="16" name="Oval 15"/>
-          <p:cNvSpPr/>
-          <p:nvPr/>
-        </p:nvSpPr>
-        <p:spPr>
-          <a:xfrm>
-            <a:off x="2017504" y="4486258"/>
-            <a:ext cx="654466" cy="654466"/>
-          </a:xfrm>
-          <a:prstGeom prst="ellipse">
-            <a:avLst/>
-          </a:prstGeom>
-        </p:spPr>
-        <p:style>
-          <a:lnRef idx="1">
-            <a:schemeClr val="accent2"/>
-          </a:lnRef>
-          <a:fillRef idx="2">
-            <a:schemeClr val="accent2"/>
-          </a:fillRef>
-          <a:effectRef idx="1">
-            <a:schemeClr val="accent2"/>
-          </a:effectRef>
-          <a:fontRef idx="minor">
-            <a:schemeClr val="dk1"/>
-          </a:fontRef>
-        </p:style>
-        <p:txBody>
-          <a:bodyPr rtlCol="0" anchor="ctr"/>
-          <a:lstStyle/>
-          <a:p>
-            <a:pPr algn="ctr"/>
-            <a:endParaRPr lang="en-US" b="1">
-              <a:solidFill>
-                <a:schemeClr val="bg1"/>
-              </a:solidFill>
-              <a:latin typeface="Arial" panose="020B0604020202020204" pitchFamily="34" charset="0"/>
-              <a:cs typeface="Arial" panose="020B0604020202020204" pitchFamily="34" charset="0"/>
-            </a:endParaRPr>
-          </a:p>
-        </p:txBody>
-      </p:sp>
-      <p:sp>
-        <p:nvSpPr>
-          <p:cNvPr id="17" name="TextBox 16"/>
-          <p:cNvSpPr txBox="1"/>
-          <p:nvPr/>
-        </p:nvSpPr>
-        <p:spPr>
-          <a:xfrm>
-            <a:off x="2879934" y="4641525"/>
-            <a:ext cx="3916942" cy="646331"/>
-          </a:xfrm>
-          <a:prstGeom prst="rect">
-            <a:avLst/>
-          </a:prstGeom>
-          <a:noFill/>
-        </p:spPr>
-        <p:txBody>
-          <a:bodyPr wrap="square" rtlCol="0">
-            <a:spAutoFit/>
-          </a:bodyPr>
-          <a:lstStyle/>
-          <a:p>
-            <a:r>
-              <a:rPr lang="en-US" b="1" dirty="0" smtClean="0">
-                <a:solidFill>
-                  <a:schemeClr val="bg1"/>
-                </a:solidFill>
-                <a:latin typeface="Arial" panose="020B0604020202020204" pitchFamily="34" charset="0"/>
-                <a:cs typeface="Arial" panose="020B0604020202020204" pitchFamily="34" charset="0"/>
-              </a:rPr>
-              <a:t>Use left joystick to tilt your surf board</a:t>
-            </a:r>
-            <a:endParaRPr lang="en-US" b="1" dirty="0">
-              <a:solidFill>
-                <a:schemeClr val="bg1"/>
-              </a:solidFill>
-              <a:latin typeface="Arial" panose="020B0604020202020204" pitchFamily="34" charset="0"/>
-              <a:cs typeface="Arial" panose="020B0604020202020204" pitchFamily="34" charset="0"/>
-            </a:endParaRPr>
-          </a:p>
-        </p:txBody>
-      </p:sp>
-      <p:sp>
-        <p:nvSpPr>
-          <p:cNvPr id="18" name="Oval 17"/>
-          <p:cNvSpPr/>
-          <p:nvPr/>
-        </p:nvSpPr>
-        <p:spPr>
-          <a:xfrm>
-            <a:off x="2017504" y="5598382"/>
-            <a:ext cx="654466" cy="654466"/>
-          </a:xfrm>
-          <a:prstGeom prst="ellipse">
-            <a:avLst/>
-          </a:prstGeom>
-        </p:spPr>
-        <p:style>
-          <a:lnRef idx="1">
-            <a:schemeClr val="accent5"/>
-          </a:lnRef>
-          <a:fillRef idx="2">
-            <a:schemeClr val="accent5"/>
-          </a:fillRef>
-          <a:effectRef idx="1">
-            <a:schemeClr val="accent5"/>
-          </a:effectRef>
-          <a:fontRef idx="minor">
-            <a:schemeClr val="dk1"/>
-          </a:fontRef>
-        </p:style>
-        <p:txBody>
-          <a:bodyPr rtlCol="0" anchor="ctr"/>
-          <a:lstStyle/>
-          <a:p>
-            <a:pPr algn="ctr"/>
-            <a:endParaRPr lang="en-US" b="1">
-              <a:solidFill>
-                <a:schemeClr val="bg1"/>
-              </a:solidFill>
-              <a:latin typeface="Arial" panose="020B0604020202020204" pitchFamily="34" charset="0"/>
-              <a:cs typeface="Arial" panose="020B0604020202020204" pitchFamily="34" charset="0"/>
-            </a:endParaRPr>
-          </a:p>
-        </p:txBody>
-      </p:sp>
-      <p:sp>
-        <p:nvSpPr>
-          <p:cNvPr id="3" name="Quad Arrow 2"/>
-          <p:cNvSpPr/>
-          <p:nvPr/>
-        </p:nvSpPr>
-        <p:spPr>
-          <a:xfrm>
-            <a:off x="2068008" y="4538207"/>
-            <a:ext cx="550568" cy="550568"/>
-          </a:xfrm>
-          <a:prstGeom prst="quadArrow">
-            <a:avLst>
-              <a:gd name="adj1" fmla="val 12080"/>
-              <a:gd name="adj2" fmla="val 13816"/>
-              <a:gd name="adj3" fmla="val 22500"/>
-            </a:avLst>
-          </a:prstGeom>
-        </p:spPr>
-        <p:style>
-          <a:lnRef idx="1">
-            <a:schemeClr val="accent4"/>
-          </a:lnRef>
-          <a:fillRef idx="2">
-            <a:schemeClr val="accent4"/>
-          </a:fillRef>
-          <a:effectRef idx="1">
-            <a:schemeClr val="accent4"/>
-          </a:effectRef>
-          <a:fontRef idx="minor">
-            <a:schemeClr val="dk1"/>
-          </a:fontRef>
-        </p:style>
-        <p:txBody>
-          <a:bodyPr rtlCol="0" anchor="ctr"/>
-          <a:lstStyle/>
-          <a:p>
-            <a:pPr algn="ctr"/>
-            <a:endParaRPr lang="en-US" b="1">
-              <a:solidFill>
-                <a:schemeClr val="bg1"/>
-              </a:solidFill>
-              <a:latin typeface="Arial" panose="020B0604020202020204" pitchFamily="34" charset="0"/>
-              <a:cs typeface="Arial" panose="020B0604020202020204" pitchFamily="34" charset="0"/>
-            </a:endParaRPr>
-          </a:p>
-        </p:txBody>
-      </p:sp>
-      <p:sp>
-        <p:nvSpPr>
-          <p:cNvPr id="19" name="TextBox 18"/>
-          <p:cNvSpPr txBox="1"/>
-          <p:nvPr/>
-        </p:nvSpPr>
-        <p:spPr>
-          <a:xfrm>
-            <a:off x="2858629" y="5619425"/>
-            <a:ext cx="3916942" cy="646331"/>
-          </a:xfrm>
-          <a:prstGeom prst="rect">
-            <a:avLst/>
-          </a:prstGeom>
-          <a:noFill/>
-        </p:spPr>
-        <p:txBody>
-          <a:bodyPr wrap="square" rtlCol="0">
-            <a:spAutoFit/>
-          </a:bodyPr>
-          <a:lstStyle/>
-          <a:p>
-            <a:r>
-              <a:rPr lang="en-US" b="1" dirty="0" smtClean="0">
-                <a:solidFill>
-                  <a:schemeClr val="bg1"/>
-                </a:solidFill>
-                <a:latin typeface="Arial" panose="020B0604020202020204" pitchFamily="34" charset="0"/>
-                <a:cs typeface="Arial" panose="020B0604020202020204" pitchFamily="34" charset="0"/>
-              </a:rPr>
-              <a:t>Use right joystick to control surfing speed</a:t>
-            </a:r>
-            <a:endParaRPr lang="en-US" b="1" dirty="0">
-              <a:solidFill>
-                <a:schemeClr val="bg1"/>
-              </a:solidFill>
-              <a:latin typeface="Arial" panose="020B0604020202020204" pitchFamily="34" charset="0"/>
-              <a:cs typeface="Arial" panose="020B0604020202020204" pitchFamily="34" charset="0"/>
-            </a:endParaRPr>
-          </a:p>
-        </p:txBody>
-      </p:sp>
-      <p:pic>
-        <p:nvPicPr>
-          <p:cNvPr id="20" name="Picture 2" descr="D:\materials\joystick.png"/>
-          <p:cNvPicPr>
-            <a:picLocks noChangeAspect="1" noChangeArrowheads="1"/>
-          </p:cNvPicPr>
-          <p:nvPr/>
-        </p:nvPicPr>
-        <p:blipFill rotWithShape="1">
-          <a:blip r:embed="rId3" cstate="print">
-            <a:clrChange>
-              <a:clrFrom>
-                <a:srgbClr val="CCCCCC"/>
-              </a:clrFrom>
-              <a:clrTo>
-                <a:srgbClr val="CCCCCC">
-                  <a:alpha val="0"/>
-                </a:srgbClr>
-              </a:clrTo>
-            </a:clrChange>
-            <a:extLst>
-              <a:ext uri="{28A0092B-C50C-407E-A947-70E740481C1C}">
-                <a14:useLocalDpi xmlns:a14="http://schemas.microsoft.com/office/drawing/2010/main" val="0"/>
-              </a:ext>
-            </a:extLst>
-          </a:blip>
-          <a:srcRect l="34357" t="65580" r="32821" b="1902"/>
-          <a:stretch/>
-        </p:blipFill>
-        <p:spPr bwMode="auto">
-          <a:xfrm>
-            <a:off x="658603" y="326854"/>
-            <a:ext cx="502066" cy="511324"/>
-          </a:xfrm>
-          <a:prstGeom prst="rect">
-            <a:avLst/>
-          </a:prstGeom>
-          <a:noFill/>
-          <a:effectLst>
-            <a:softEdge rad="31750"/>
-          </a:effectLst>
-          <a:extLst>
-            <a:ext uri="{909E8E84-426E-40DD-AFC4-6F175D3DCCD1}">
-              <a14:hiddenFill xmlns:a14="http://schemas.microsoft.com/office/drawing/2010/main">
-                <a:solidFill>
-                  <a:srgbClr val="FFFFFF"/>
-                </a:solidFill>
-              </a14:hiddenFill>
-            </a:ext>
-          </a:extLst>
-        </p:spPr>
-      </p:pic>
-      <p:sp>
-        <p:nvSpPr>
-          <p:cNvPr id="4" name="Up Arrow 3"/>
-          <p:cNvSpPr/>
-          <p:nvPr/>
-        </p:nvSpPr>
-        <p:spPr>
-          <a:xfrm>
-            <a:off x="2250100" y="5579522"/>
-            <a:ext cx="186384" cy="376285"/>
-          </a:xfrm>
-          <a:prstGeom prst="upArrow">
-            <a:avLst/>
-          </a:prstGeom>
-        </p:spPr>
-        <p:style>
-          <a:lnRef idx="1">
-            <a:schemeClr val="accent6"/>
-          </a:lnRef>
-          <a:fillRef idx="2">
-            <a:schemeClr val="accent6"/>
-          </a:fillRef>
-          <a:effectRef idx="1">
-            <a:schemeClr val="accent6"/>
-          </a:effectRef>
-          <a:fontRef idx="minor">
-            <a:schemeClr val="dk1"/>
-          </a:fontRef>
-        </p:style>
-        <p:txBody>
-          <a:bodyPr rtlCol="0" anchor="ctr"/>
-          <a:lstStyle/>
-          <a:p>
-            <a:pPr algn="ctr"/>
-            <a:endParaRPr lang="en-US" b="1">
-              <a:solidFill>
-                <a:schemeClr val="bg1"/>
-              </a:solidFill>
-              <a:latin typeface="Arial" panose="020B0604020202020204" pitchFamily="34" charset="0"/>
-              <a:cs typeface="Arial" panose="020B0604020202020204" pitchFamily="34" charset="0"/>
-            </a:endParaRPr>
-          </a:p>
-        </p:txBody>
-      </p:sp>
-    </p:spTree>
-    <p:extLst>
-      <p:ext uri="{BB962C8B-B14F-4D97-AF65-F5344CB8AC3E}">
-        <p14:creationId xmlns:p14="http://schemas.microsoft.com/office/powerpoint/2010/main" val="3118360742"/>
-      </p:ext>
-    </p:extLst>
-  </p:cSld>
-  <p:clrMapOvr>
-    <a:masterClrMapping/>
-  </p:clrMapOvr>
-  <p:timing>
-    <p:tnLst>
-      <p:par>
-        <p:cTn id="1" dur="indefinite" restart="never" nodeType="tmRoot"/>
-      </p:par>
-    </p:tnLst>
-  </p:timing>
-</p:sld>
-</file>
-
-<file path=ppt/slides/slide5.xml><?xml version="1.0" encoding="utf-8"?>
-<p:sld xmlns:a="http://schemas.openxmlformats.org/drawingml/2006/main" xmlns:r="http://schemas.openxmlformats.org/officeDocument/2006/relationships" xmlns:p="http://schemas.openxmlformats.org/presentationml/2006/main">
-  <p:cSld>
-    <p:spTree>
-      <p:nvGrpSpPr>
-        <p:cNvPr id="1" name=""/>
-        <p:cNvGrpSpPr/>
-        <p:nvPr/>
-      </p:nvGrpSpPr>
-      <p:grpSpPr>
-        <a:xfrm>
-          <a:off x="0" y="0"/>
-          <a:ext cx="0" cy="0"/>
-          <a:chOff x="0" y="0"/>
-          <a:chExt cx="0" cy="0"/>
-        </a:xfrm>
-      </p:grpSpPr>
-      <p:pic>
-        <p:nvPicPr>
-          <p:cNvPr id="1026" name="Picture 2"/>
-          <p:cNvPicPr>
-            <a:picLocks noChangeAspect="1" noChangeArrowheads="1"/>
-          </p:cNvPicPr>
-          <p:nvPr/>
-        </p:nvPicPr>
-        <p:blipFill>
-          <a:blip r:embed="rId2">
-            <a:extLst>
-              <a:ext uri="{28A0092B-C50C-407E-A947-70E740481C1C}">
-                <a14:useLocalDpi xmlns:a14="http://schemas.microsoft.com/office/drawing/2010/main" val="0"/>
-              </a:ext>
-            </a:extLst>
-          </a:blip>
-          <a:srcRect/>
-          <a:stretch>
-            <a:fillRect/>
-          </a:stretch>
-        </p:blipFill>
-        <p:spPr bwMode="auto">
-          <a:xfrm>
-            <a:off x="1600200" y="457200"/>
-            <a:ext cx="5791200" cy="4343400"/>
+            <a:off x="1117600" y="685800"/>
+            <a:ext cx="4572000" cy="2168067"/>
           </a:xfrm>
           <a:prstGeom prst="rect">
             <a:avLst/>
@@ -5590,176 +4991,16 @@
           </a:extLst>
         </p:spPr>
       </p:pic>
-      <p:sp>
-        <p:nvSpPr>
-          <p:cNvPr id="6" name="TextBox 5"/>
-          <p:cNvSpPr txBox="1"/>
-          <p:nvPr/>
-        </p:nvSpPr>
-        <p:spPr>
-          <a:xfrm>
-            <a:off x="1143000" y="4916269"/>
-            <a:ext cx="6781800" cy="923330"/>
-          </a:xfrm>
-          <a:prstGeom prst="rect">
-            <a:avLst/>
-          </a:prstGeom>
-          <a:noFill/>
-        </p:spPr>
-        <p:txBody>
-          <a:bodyPr wrap="square" rtlCol="0">
-            <a:spAutoFit/>
-          </a:bodyPr>
-          <a:lstStyle/>
-          <a:p>
-            <a:pPr marL="285750" indent="-285750">
-              <a:buFont typeface="Arial" panose="020B0604020202020204" pitchFamily="34" charset="0"/>
-              <a:buChar char="•"/>
-            </a:pPr>
-            <a:r>
-              <a:rPr lang="en-US" b="1" dirty="0" smtClean="0">
-                <a:solidFill>
-                  <a:schemeClr val="bg1"/>
-                </a:solidFill>
-                <a:latin typeface="Arial" panose="020B0604020202020204" pitchFamily="34" charset="0"/>
-                <a:cs typeface="Arial" panose="020B0604020202020204" pitchFamily="34" charset="0"/>
-              </a:rPr>
-              <a:t>Press the      button to use walking mode.</a:t>
-            </a:r>
-          </a:p>
-          <a:p>
-            <a:pPr marL="285750" indent="-285750">
-              <a:buFont typeface="Arial" panose="020B0604020202020204" pitchFamily="34" charset="0"/>
-              <a:buChar char="•"/>
-            </a:pPr>
-            <a:r>
-              <a:rPr lang="en-US" b="1" dirty="0" smtClean="0">
-                <a:solidFill>
-                  <a:schemeClr val="bg1"/>
-                </a:solidFill>
-                <a:latin typeface="Arial" panose="020B0604020202020204" pitchFamily="34" charset="0"/>
-                <a:cs typeface="Arial" panose="020B0604020202020204" pitchFamily="34" charset="0"/>
-              </a:rPr>
-              <a:t>Collect the pumpkin the yellow arrow is pointing at.</a:t>
-            </a:r>
-          </a:p>
-          <a:p>
-            <a:pPr marL="285750" indent="-285750">
-              <a:buFont typeface="Arial" panose="020B0604020202020204" pitchFamily="34" charset="0"/>
-              <a:buChar char="•"/>
-            </a:pPr>
-            <a:r>
-              <a:rPr lang="en-US" b="1" dirty="0" smtClean="0">
-                <a:solidFill>
-                  <a:schemeClr val="bg1"/>
-                </a:solidFill>
-                <a:latin typeface="Arial" panose="020B0604020202020204" pitchFamily="34" charset="0"/>
-                <a:cs typeface="Arial" panose="020B0604020202020204" pitchFamily="34" charset="0"/>
-              </a:rPr>
-              <a:t>Collect all the pumpkins as fast as you can.</a:t>
-            </a:r>
-            <a:endParaRPr lang="en-US" b="1" dirty="0">
-              <a:solidFill>
-                <a:schemeClr val="bg1"/>
-              </a:solidFill>
-              <a:latin typeface="Arial" panose="020B0604020202020204" pitchFamily="34" charset="0"/>
-              <a:cs typeface="Arial" panose="020B0604020202020204" pitchFamily="34" charset="0"/>
-            </a:endParaRPr>
-          </a:p>
-        </p:txBody>
-      </p:sp>
       <p:pic>
         <p:nvPicPr>
-          <p:cNvPr id="7" name="Picture 2" descr="D:\materials\joystick.png"/>
-          <p:cNvPicPr>
-            <a:picLocks noChangeAspect="1" noChangeArrowheads="1"/>
-          </p:cNvPicPr>
-          <p:nvPr/>
-        </p:nvPicPr>
-        <p:blipFill rotWithShape="1">
-          <a:blip r:embed="rId3" cstate="print">
-            <a:clrChange>
-              <a:clrFrom>
-                <a:srgbClr val="CCCCCC"/>
-              </a:clrFrom>
-              <a:clrTo>
-                <a:srgbClr val="CCCCCC">
-                  <a:alpha val="0"/>
-                </a:srgbClr>
-              </a:clrTo>
-            </a:clrChange>
-            <a:extLst>
-              <a:ext uri="{28A0092B-C50C-407E-A947-70E740481C1C}">
-                <a14:useLocalDpi xmlns:a14="http://schemas.microsoft.com/office/drawing/2010/main" val="0"/>
-              </a:ext>
-            </a:extLst>
-          </a:blip>
-          <a:srcRect/>
-          <a:stretch/>
-        </p:blipFill>
-        <p:spPr bwMode="auto">
-          <a:xfrm>
-            <a:off x="2573708" y="4931470"/>
-            <a:ext cx="329706" cy="362677"/>
-          </a:xfrm>
-          <a:prstGeom prst="rect">
-            <a:avLst/>
-          </a:prstGeom>
-          <a:noFill/>
-          <a:effectLst>
-            <a:softEdge rad="31750"/>
-          </a:effectLst>
-          <a:extLst>
-            <a:ext uri="{909E8E84-426E-40DD-AFC4-6F175D3DCCD1}">
-              <a14:hiddenFill xmlns:a14="http://schemas.microsoft.com/office/drawing/2010/main">
-                <a:solidFill>
-                  <a:srgbClr val="FFFFFF"/>
-                </a:solidFill>
-              </a14:hiddenFill>
-            </a:ext>
-          </a:extLst>
-        </p:spPr>
-      </p:pic>
-    </p:spTree>
-    <p:extLst>
-      <p:ext uri="{BB962C8B-B14F-4D97-AF65-F5344CB8AC3E}">
-        <p14:creationId xmlns:p14="http://schemas.microsoft.com/office/powerpoint/2010/main" val="2549726587"/>
-      </p:ext>
-    </p:extLst>
-  </p:cSld>
-  <p:clrMapOvr>
-    <a:masterClrMapping/>
-  </p:clrMapOvr>
-</p:sld>
-</file>
-
-<file path=ppt/slides/slide6.xml><?xml version="1.0" encoding="utf-8"?>
-<p:sld xmlns:a="http://schemas.openxmlformats.org/drawingml/2006/main" xmlns:r="http://schemas.openxmlformats.org/officeDocument/2006/relationships" xmlns:p="http://schemas.openxmlformats.org/presentationml/2006/main">
-  <p:cSld>
-    <p:spTree>
-      <p:nvGrpSpPr>
-        <p:cNvPr id="1" name=""/>
-        <p:cNvGrpSpPr/>
-        <p:nvPr/>
-      </p:nvGrpSpPr>
-      <p:grpSpPr>
-        <a:xfrm>
-          <a:off x="0" y="0"/>
-          <a:ext cx="0" cy="0"/>
-          <a:chOff x="0" y="0"/>
-          <a:chExt cx="0" cy="0"/>
-        </a:xfrm>
-      </p:grpSpPr>
-      <p:pic>
-        <p:nvPicPr>
-          <p:cNvPr id="2050" name="Picture 2"/>
+          <p:cNvPr id="8" name="Picture 2"/>
           <p:cNvPicPr>
             <a:picLocks noChangeAspect="1" noChangeArrowheads="1"/>
           </p:cNvPicPr>
           <p:nvPr/>
         </p:nvPicPr>
         <p:blipFill>
-          <a:blip r:embed="rId2">
+          <a:blip r:embed="rId3" cstate="print">
             <a:extLst>
               <a:ext uri="{28A0092B-C50C-407E-A947-70E740481C1C}">
                 <a14:useLocalDpi xmlns:a14="http://schemas.microsoft.com/office/drawing/2010/main" val="0"/>
@@ -5773,8 +5014,8 @@
         </p:blipFill>
         <p:spPr bwMode="auto">
           <a:xfrm>
-            <a:off x="1600200" y="457200"/>
-            <a:ext cx="5791200" cy="4343400"/>
+            <a:off x="3325212" y="3352800"/>
+            <a:ext cx="4572000" cy="2159662"/>
           </a:xfrm>
           <a:prstGeom prst="rect">
             <a:avLst/>
@@ -5804,396 +5045,10 @@
           </a:extLst>
         </p:spPr>
       </p:pic>
-      <p:sp>
-        <p:nvSpPr>
-          <p:cNvPr id="5" name="TextBox 4"/>
-          <p:cNvSpPr txBox="1"/>
-          <p:nvPr/>
-        </p:nvSpPr>
-        <p:spPr>
-          <a:xfrm>
-            <a:off x="1143000" y="4916269"/>
-            <a:ext cx="6781800" cy="1754326"/>
-          </a:xfrm>
-          <a:prstGeom prst="rect">
-            <a:avLst/>
-          </a:prstGeom>
-          <a:noFill/>
-        </p:spPr>
-        <p:txBody>
-          <a:bodyPr wrap="square" rtlCol="0">
-            <a:spAutoFit/>
-          </a:bodyPr>
-          <a:lstStyle/>
-          <a:p>
-            <a:pPr marL="285750" indent="-285750">
-              <a:buFont typeface="Arial" panose="020B0604020202020204" pitchFamily="34" charset="0"/>
-              <a:buChar char="•"/>
-            </a:pPr>
-            <a:r>
-              <a:rPr lang="en-US" b="1" dirty="0" smtClean="0">
-                <a:solidFill>
-                  <a:schemeClr val="bg1"/>
-                </a:solidFill>
-                <a:latin typeface="Arial" panose="020B0604020202020204" pitchFamily="34" charset="0"/>
-                <a:cs typeface="Arial" panose="020B0604020202020204" pitchFamily="34" charset="0"/>
-              </a:rPr>
-              <a:t>Press the      button to use Segway mode.</a:t>
-            </a:r>
-          </a:p>
-          <a:p>
-            <a:pPr marL="285750" indent="-285750">
-              <a:buFont typeface="Arial" panose="020B0604020202020204" pitchFamily="34" charset="0"/>
-              <a:buChar char="•"/>
-            </a:pPr>
-            <a:r>
-              <a:rPr lang="en-US" b="1" dirty="0" smtClean="0">
-                <a:solidFill>
-                  <a:schemeClr val="bg1"/>
-                </a:solidFill>
-                <a:latin typeface="Arial" panose="020B0604020202020204" pitchFamily="34" charset="0"/>
-                <a:cs typeface="Arial" panose="020B0604020202020204" pitchFamily="34" charset="0"/>
-              </a:rPr>
-              <a:t>Follow the yellow arrow.</a:t>
-            </a:r>
-          </a:p>
-          <a:p>
-            <a:pPr marL="285750" indent="-285750">
-              <a:buFont typeface="Arial" panose="020B0604020202020204" pitchFamily="34" charset="0"/>
-              <a:buChar char="•"/>
-            </a:pPr>
-            <a:r>
-              <a:rPr lang="en-US" b="1" dirty="0" smtClean="0">
-                <a:solidFill>
-                  <a:schemeClr val="bg1"/>
-                </a:solidFill>
-                <a:latin typeface="Arial" panose="020B0604020202020204" pitchFamily="34" charset="0"/>
-                <a:cs typeface="Arial" panose="020B0604020202020204" pitchFamily="34" charset="0"/>
-              </a:rPr>
-              <a:t>The arrow’s direction will change at </a:t>
-            </a:r>
-            <a:r>
-              <a:rPr lang="en-US" b="1" dirty="0" smtClean="0">
-                <a:solidFill>
-                  <a:schemeClr val="bg1"/>
-                </a:solidFill>
-                <a:latin typeface="Arial" panose="020B0604020202020204" pitchFamily="34" charset="0"/>
-                <a:cs typeface="Arial" panose="020B0604020202020204" pitchFamily="34" charset="0"/>
-              </a:rPr>
-              <a:t>intersections.</a:t>
-            </a:r>
-          </a:p>
-          <a:p>
-            <a:pPr marL="285750" indent="-285750">
-              <a:buFont typeface="Arial" panose="020B0604020202020204" pitchFamily="34" charset="0"/>
-              <a:buChar char="•"/>
-            </a:pPr>
-            <a:r>
-              <a:rPr lang="en-US" b="1" dirty="0" smtClean="0">
-                <a:solidFill>
-                  <a:schemeClr val="bg1"/>
-                </a:solidFill>
-                <a:latin typeface="Arial" panose="020B0604020202020204" pitchFamily="34" charset="0"/>
-                <a:cs typeface="Arial" panose="020B0604020202020204" pitchFamily="34" charset="0"/>
-              </a:rPr>
-              <a:t>The final goal is a white ring. Try to reach the goal as fast as you can. (Primary Goal)</a:t>
-            </a:r>
-          </a:p>
-          <a:p>
-            <a:pPr marL="285750" indent="-285750">
-              <a:buFont typeface="Arial" panose="020B0604020202020204" pitchFamily="34" charset="0"/>
-              <a:buChar char="•"/>
-            </a:pPr>
-            <a:r>
-              <a:rPr lang="en-US" b="1" dirty="0" smtClean="0">
-                <a:solidFill>
-                  <a:schemeClr val="bg1"/>
-                </a:solidFill>
-                <a:latin typeface="Arial" panose="020B0604020202020204" pitchFamily="34" charset="0"/>
-                <a:cs typeface="Arial" panose="020B0604020202020204" pitchFamily="34" charset="0"/>
-              </a:rPr>
-              <a:t>Try not to run into the forest or barrier tape. </a:t>
-            </a:r>
-            <a:endParaRPr lang="en-US" b="1" dirty="0">
-              <a:solidFill>
-                <a:schemeClr val="bg1"/>
-              </a:solidFill>
-              <a:latin typeface="Arial" panose="020B0604020202020204" pitchFamily="34" charset="0"/>
-              <a:cs typeface="Arial" panose="020B0604020202020204" pitchFamily="34" charset="0"/>
-            </a:endParaRPr>
-          </a:p>
-        </p:txBody>
-      </p:sp>
-      <p:pic>
-        <p:nvPicPr>
-          <p:cNvPr id="7" name="Picture 2" descr="D:\materials\joystick.png"/>
-          <p:cNvPicPr>
-            <a:picLocks noChangeAspect="1" noChangeArrowheads="1"/>
-          </p:cNvPicPr>
-          <p:nvPr/>
-        </p:nvPicPr>
-        <p:blipFill rotWithShape="1">
-          <a:blip r:embed="rId3" cstate="print">
-            <a:clrChange>
-              <a:clrFrom>
-                <a:srgbClr val="CCCCCC"/>
-              </a:clrFrom>
-              <a:clrTo>
-                <a:srgbClr val="CCCCCC">
-                  <a:alpha val="0"/>
-                </a:srgbClr>
-              </a:clrTo>
-            </a:clrChange>
-            <a:extLst>
-              <a:ext uri="{28A0092B-C50C-407E-A947-70E740481C1C}">
-                <a14:useLocalDpi xmlns:a14="http://schemas.microsoft.com/office/drawing/2010/main" val="0"/>
-              </a:ext>
-            </a:extLst>
-          </a:blip>
-          <a:srcRect l="67225" t="33514" b="32971"/>
-          <a:stretch/>
-        </p:blipFill>
-        <p:spPr bwMode="auto">
-          <a:xfrm>
-            <a:off x="2580324" y="4958999"/>
-            <a:ext cx="307444" cy="323165"/>
-          </a:xfrm>
-          <a:prstGeom prst="rect">
-            <a:avLst/>
-          </a:prstGeom>
-          <a:noFill/>
-          <a:effectLst>
-            <a:softEdge rad="31750"/>
-          </a:effectLst>
-          <a:extLst>
-            <a:ext uri="{909E8E84-426E-40DD-AFC4-6F175D3DCCD1}">
-              <a14:hiddenFill xmlns:a14="http://schemas.microsoft.com/office/drawing/2010/main">
-                <a:solidFill>
-                  <a:srgbClr val="FFFFFF"/>
-                </a:solidFill>
-              </a14:hiddenFill>
-            </a:ext>
-          </a:extLst>
-        </p:spPr>
-      </p:pic>
     </p:spTree>
     <p:extLst>
       <p:ext uri="{BB962C8B-B14F-4D97-AF65-F5344CB8AC3E}">
-        <p14:creationId xmlns:p14="http://schemas.microsoft.com/office/powerpoint/2010/main" val="1302706387"/>
-      </p:ext>
-    </p:extLst>
-  </p:cSld>
-  <p:clrMapOvr>
-    <a:masterClrMapping/>
-  </p:clrMapOvr>
-</p:sld>
-</file>
-
-<file path=ppt/slides/slide7.xml><?xml version="1.0" encoding="utf-8"?>
-<p:sld xmlns:a="http://schemas.openxmlformats.org/drawingml/2006/main" xmlns:r="http://schemas.openxmlformats.org/officeDocument/2006/relationships" xmlns:p="http://schemas.openxmlformats.org/presentationml/2006/main">
-  <p:cSld>
-    <p:spTree>
-      <p:nvGrpSpPr>
-        <p:cNvPr id="1" name=""/>
-        <p:cNvGrpSpPr/>
-        <p:nvPr/>
-      </p:nvGrpSpPr>
-      <p:grpSpPr>
-        <a:xfrm>
-          <a:off x="0" y="0"/>
-          <a:ext cx="0" cy="0"/>
-          <a:chOff x="0" y="0"/>
-          <a:chExt cx="0" cy="0"/>
-        </a:xfrm>
-      </p:grpSpPr>
-      <p:pic>
-        <p:nvPicPr>
-          <p:cNvPr id="3074" name="Picture 2"/>
-          <p:cNvPicPr>
-            <a:picLocks noChangeAspect="1" noChangeArrowheads="1"/>
-          </p:cNvPicPr>
-          <p:nvPr/>
-        </p:nvPicPr>
-        <p:blipFill>
-          <a:blip r:embed="rId2">
-            <a:extLst>
-              <a:ext uri="{28A0092B-C50C-407E-A947-70E740481C1C}">
-                <a14:useLocalDpi xmlns:a14="http://schemas.microsoft.com/office/drawing/2010/main" val="0"/>
-              </a:ext>
-            </a:extLst>
-          </a:blip>
-          <a:srcRect/>
-          <a:stretch>
-            <a:fillRect/>
-          </a:stretch>
-        </p:blipFill>
-        <p:spPr bwMode="auto">
-          <a:xfrm>
-            <a:off x="1600200" y="457200"/>
-            <a:ext cx="5791200" cy="4343400"/>
-          </a:xfrm>
-          <a:prstGeom prst="rect">
-            <a:avLst/>
-          </a:prstGeom>
-          <a:noFill/>
-          <a:ln>
-            <a:noFill/>
-          </a:ln>
-          <a:extLst>
-            <a:ext uri="{909E8E84-426E-40DD-AFC4-6F175D3DCCD1}">
-              <a14:hiddenFill xmlns:a14="http://schemas.microsoft.com/office/drawing/2010/main">
-                <a:solidFill>
-                  <a:schemeClr val="accent1"/>
-                </a:solidFill>
-              </a14:hiddenFill>
-            </a:ext>
-            <a:ext uri="{91240B29-F687-4F45-9708-019B960494DF}">
-              <a14:hiddenLine xmlns:a14="http://schemas.microsoft.com/office/drawing/2010/main" w="9525">
-                <a:solidFill>
-                  <a:schemeClr val="tx1"/>
-                </a:solidFill>
-                <a:miter lim="800000"/>
-                <a:headEnd/>
-                <a:tailEnd/>
-              </a14:hiddenLine>
-            </a:ext>
-          </a:extLst>
-        </p:spPr>
-      </p:pic>
-      <p:sp>
-        <p:nvSpPr>
-          <p:cNvPr id="5" name="TextBox 4"/>
-          <p:cNvSpPr txBox="1"/>
-          <p:nvPr/>
-        </p:nvSpPr>
-        <p:spPr>
-          <a:xfrm>
-            <a:off x="1143000" y="4916269"/>
-            <a:ext cx="6781800" cy="1477328"/>
-          </a:xfrm>
-          <a:prstGeom prst="rect">
-            <a:avLst/>
-          </a:prstGeom>
-          <a:noFill/>
-        </p:spPr>
-        <p:txBody>
-          <a:bodyPr wrap="square" rtlCol="0">
-            <a:spAutoFit/>
-          </a:bodyPr>
-          <a:lstStyle/>
-          <a:p>
-            <a:pPr marL="285750" indent="-285750">
-              <a:buFont typeface="Arial" panose="020B0604020202020204" pitchFamily="34" charset="0"/>
-              <a:buChar char="•"/>
-            </a:pPr>
-            <a:r>
-              <a:rPr lang="en-US" b="1" dirty="0" smtClean="0">
-                <a:solidFill>
-                  <a:schemeClr val="bg1"/>
-                </a:solidFill>
-                <a:latin typeface="Arial" panose="020B0604020202020204" pitchFamily="34" charset="0"/>
-                <a:cs typeface="Arial" panose="020B0604020202020204" pitchFamily="34" charset="0"/>
-              </a:rPr>
-              <a:t>Press the      button to use Surfing mode.</a:t>
-            </a:r>
-          </a:p>
-          <a:p>
-            <a:pPr marL="285750" indent="-285750">
-              <a:buFont typeface="Arial" panose="020B0604020202020204" pitchFamily="34" charset="0"/>
-              <a:buChar char="•"/>
-            </a:pPr>
-            <a:r>
-              <a:rPr lang="en-US" b="1" dirty="0" smtClean="0">
-                <a:solidFill>
-                  <a:schemeClr val="bg1"/>
-                </a:solidFill>
-                <a:latin typeface="Arial" panose="020B0604020202020204" pitchFamily="34" charset="0"/>
-                <a:cs typeface="Arial" panose="020B0604020202020204" pitchFamily="34" charset="0"/>
-              </a:rPr>
-              <a:t>Use the blue spheres as a guide and try to stay as close as possible. (Secondary Goal)</a:t>
-            </a:r>
-          </a:p>
-          <a:p>
-            <a:pPr marL="285750" indent="-285750">
-              <a:buFont typeface="Arial" panose="020B0604020202020204" pitchFamily="34" charset="0"/>
-              <a:buChar char="•"/>
-            </a:pPr>
-            <a:r>
-              <a:rPr lang="en-US" b="1" dirty="0" smtClean="0">
-                <a:solidFill>
-                  <a:schemeClr val="bg1"/>
-                </a:solidFill>
-                <a:latin typeface="Arial" panose="020B0604020202020204" pitchFamily="34" charset="0"/>
-                <a:cs typeface="Arial" panose="020B0604020202020204" pitchFamily="34" charset="0"/>
-              </a:rPr>
-              <a:t>The final goal is a white ring. Reach it as fast as you can (Primary Goal)</a:t>
-            </a:r>
-            <a:endParaRPr lang="en-US" b="1" dirty="0">
-              <a:solidFill>
-                <a:schemeClr val="bg1"/>
-              </a:solidFill>
-              <a:latin typeface="Arial" panose="020B0604020202020204" pitchFamily="34" charset="0"/>
-              <a:cs typeface="Arial" panose="020B0604020202020204" pitchFamily="34" charset="0"/>
-            </a:endParaRPr>
-          </a:p>
-        </p:txBody>
-      </p:sp>
-      <p:pic>
-        <p:nvPicPr>
-          <p:cNvPr id="6" name="Picture 2" descr="D:\materials\joystick.png"/>
-          <p:cNvPicPr>
-            <a:picLocks noChangeAspect="1" noChangeArrowheads="1"/>
-          </p:cNvPicPr>
-          <p:nvPr/>
-        </p:nvPicPr>
-        <p:blipFill rotWithShape="1">
-          <a:blip r:embed="rId3" cstate="print">
-            <a:clrChange>
-              <a:clrFrom>
-                <a:srgbClr val="CCCCCC"/>
-              </a:clrFrom>
-              <a:clrTo>
-                <a:srgbClr val="CCCCCC">
-                  <a:alpha val="0"/>
-                </a:srgbClr>
-              </a:clrTo>
-            </a:clrChange>
-            <a:extLst>
-              <a:ext uri="{28A0092B-C50C-407E-A947-70E740481C1C}">
-                <a14:useLocalDpi xmlns:a14="http://schemas.microsoft.com/office/drawing/2010/main" val="0"/>
-              </a:ext>
-            </a:extLst>
-          </a:blip>
-          <a:srcRect l="34357" t="65580" r="32821" b="1902"/>
-          <a:stretch/>
-        </p:blipFill>
-        <p:spPr bwMode="auto">
-          <a:xfrm>
-            <a:off x="2578115" y="4949303"/>
-            <a:ext cx="322469" cy="328415"/>
-          </a:xfrm>
-          <a:prstGeom prst="rect">
-            <a:avLst/>
-          </a:prstGeom>
-          <a:noFill/>
-          <a:effectLst>
-            <a:softEdge rad="31750"/>
-          </a:effectLst>
-          <a:extLst>
-            <a:ext uri="{909E8E84-426E-40DD-AFC4-6F175D3DCCD1}">
-              <a14:hiddenFill xmlns:a14="http://schemas.microsoft.com/office/drawing/2010/main">
-                <a:solidFill>
-                  <a:srgbClr val="FFFFFF"/>
-                </a:solidFill>
-              </a14:hiddenFill>
-            </a:ext>
-          </a:extLst>
-        </p:spPr>
-      </p:pic>
-    </p:spTree>
-    <p:extLst>
-      <p:ext uri="{BB962C8B-B14F-4D97-AF65-F5344CB8AC3E}">
-        <p14:creationId xmlns:p14="http://schemas.microsoft.com/office/powerpoint/2010/main" val="1881886224"/>
+        <p14:creationId xmlns:p14="http://schemas.microsoft.com/office/powerpoint/2010/main" val="3970685555"/>
       </p:ext>
     </p:extLst>
   </p:cSld>
